--- a/doc/presentation.pptx
+++ b/doc/presentation.pptx
@@ -14,9 +14,14 @@
     <p:sldId id="268" r:id="rId8"/>
     <p:sldId id="262" r:id="rId9"/>
     <p:sldId id="264" r:id="rId10"/>
-    <p:sldId id="265" r:id="rId11"/>
-    <p:sldId id="266" r:id="rId12"/>
-    <p:sldId id="267" r:id="rId13"/>
+    <p:sldId id="270" r:id="rId11"/>
+    <p:sldId id="265" r:id="rId12"/>
+    <p:sldId id="266" r:id="rId13"/>
+    <p:sldId id="273" r:id="rId14"/>
+    <p:sldId id="271" r:id="rId15"/>
+    <p:sldId id="269" r:id="rId16"/>
+    <p:sldId id="272" r:id="rId17"/>
+    <p:sldId id="267" r:id="rId18"/>
   </p:sldIdLst>
   <p:sldSz cx="12192000" cy="6858000"/>
   <p:notesSz cx="6858000" cy="9144000"/>
@@ -115,6 +120,11 @@
       </a:defRPr>
     </a:lvl9pPr>
   </p:defaultTextStyle>
+  <p:extLst>
+    <p:ext uri="{EFAFB233-063F-42B5-8137-9DF3F51BA10A}">
+      <p15:sldGuideLst xmlns:p15="http://schemas.microsoft.com/office/powerpoint/2012/main"/>
+    </p:ext>
+  </p:extLst>
 </p:presentation>
 </file>
 
@@ -344,7 +354,7 @@
           <a:p>
             <a:fld id="{96DFF08F-DC6B-4601-B491-B0F83F6DD2DA}" type="datetimeFigureOut">
               <a:rPr lang="en-US" dirty="0"/>
-              <a:t>6/18/2016</a:t>
+              <a:t>6/20/2016</a:t>
             </a:fld>
             <a:endParaRPr lang="en-US" dirty="0"/>
           </a:p>
@@ -547,7 +557,7 @@
           <a:p>
             <a:fld id="{96DFF08F-DC6B-4601-B491-B0F83F6DD2DA}" type="datetimeFigureOut">
               <a:rPr lang="en-US" dirty="0"/>
-              <a:t>6/18/2016</a:t>
+              <a:t>6/20/2016</a:t>
             </a:fld>
             <a:endParaRPr lang="en-US" dirty="0"/>
           </a:p>
@@ -798,7 +808,7 @@
           <a:p>
             <a:fld id="{96DFF08F-DC6B-4601-B491-B0F83F6DD2DA}" type="datetimeFigureOut">
               <a:rPr lang="en-US" dirty="0"/>
-              <a:t>6/18/2016</a:t>
+              <a:t>6/20/2016</a:t>
             </a:fld>
             <a:endParaRPr lang="en-US" dirty="0"/>
           </a:p>
@@ -963,7 +973,7 @@
           <a:p>
             <a:fld id="{D62CEF3B-A037-46D0-B02C-1428F07E9383}" type="datetimeFigureOut">
               <a:rPr lang="en-US" dirty="0"/>
-              <a:t>6/18/2016</a:t>
+              <a:t>6/20/2016</a:t>
             </a:fld>
             <a:endParaRPr lang="en-US" dirty="0"/>
           </a:p>
@@ -1301,7 +1311,7 @@
           <a:p>
             <a:fld id="{96DFF08F-DC6B-4601-B491-B0F83F6DD2DA}" type="datetimeFigureOut">
               <a:rPr lang="en-US" dirty="0"/>
-              <a:t>6/18/2016</a:t>
+              <a:t>6/20/2016</a:t>
             </a:fld>
             <a:endParaRPr lang="en-US" dirty="0"/>
           </a:p>
@@ -1571,7 +1581,7 @@
           <a:p>
             <a:fld id="{96DFF08F-DC6B-4601-B491-B0F83F6DD2DA}" type="datetimeFigureOut">
               <a:rPr lang="en-US" dirty="0"/>
-              <a:t>6/18/2016</a:t>
+              <a:t>6/20/2016</a:t>
             </a:fld>
             <a:endParaRPr lang="en-US" dirty="0"/>
           </a:p>
@@ -1945,7 +1955,7 @@
           <a:p>
             <a:fld id="{96DFF08F-DC6B-4601-B491-B0F83F6DD2DA}" type="datetimeFigureOut">
               <a:rPr lang="en-US" dirty="0"/>
-              <a:t>6/18/2016</a:t>
+              <a:t>6/20/2016</a:t>
             </a:fld>
             <a:endParaRPr lang="en-US" dirty="0"/>
           </a:p>
@@ -2058,7 +2068,7 @@
           <a:p>
             <a:fld id="{96DFF08F-DC6B-4601-B491-B0F83F6DD2DA}" type="datetimeFigureOut">
               <a:rPr lang="en-US" dirty="0"/>
-              <a:t>6/18/2016</a:t>
+              <a:t>6/20/2016</a:t>
             </a:fld>
             <a:endParaRPr lang="en-US" dirty="0"/>
           </a:p>
@@ -2225,7 +2235,7 @@
             <a:fld id="{96DFF08F-DC6B-4601-B491-B0F83F6DD2DA}" type="datetimeFigureOut">
               <a:rPr lang="en-US" dirty="0"/>
               <a:pPr/>
-              <a:t>6/18/2016</a:t>
+              <a:t>6/20/2016</a:t>
             </a:fld>
             <a:endParaRPr lang="en-US" dirty="0"/>
           </a:p>
@@ -2576,7 +2586,7 @@
             <a:fld id="{96DFF08F-DC6B-4601-B491-B0F83F6DD2DA}" type="datetimeFigureOut">
               <a:rPr lang="en-US" dirty="0"/>
               <a:pPr/>
-              <a:t>6/18/2016</a:t>
+              <a:t>6/20/2016</a:t>
             </a:fld>
             <a:endParaRPr lang="en-US" dirty="0"/>
           </a:p>
@@ -2949,7 +2959,7 @@
           <a:p>
             <a:fld id="{96DFF08F-DC6B-4601-B491-B0F83F6DD2DA}" type="datetimeFigureOut">
               <a:rPr lang="en-US" dirty="0"/>
-              <a:t>6/18/2016</a:t>
+              <a:t>6/20/2016</a:t>
             </a:fld>
             <a:endParaRPr lang="en-US" dirty="0"/>
           </a:p>
@@ -3232,7 +3242,7 @@
             <a:fld id="{96DFF08F-DC6B-4601-B491-B0F83F6DD2DA}" type="datetimeFigureOut">
               <a:rPr lang="en-US" dirty="0"/>
               <a:pPr/>
-              <a:t>6/18/2016</a:t>
+              <a:t>6/20/2016</a:t>
             </a:fld>
             <a:endParaRPr lang="en-US" dirty="0"/>
           </a:p>
@@ -3822,6 +3832,13 @@
   <p:clrMapOvr>
     <a:masterClrMapping/>
   </p:clrMapOvr>
+  <p:timing>
+    <p:tnLst>
+      <p:par>
+        <p:cTn id="1" dur="indefinite" restart="never" nodeType="tmRoot"/>
+      </p:par>
+    </p:tnLst>
+  </p:timing>
 </p:sld>
 </file>
 
@@ -3858,49 +3875,17 @@
           <a:lstStyle/>
           <a:p>
             <a:r>
-              <a:rPr lang="en-US" altLang="zh-CN" sz="4000" dirty="0" smtClean="0"/>
-              <a:t>Observer pattern for listening mouse input</a:t>
-            </a:r>
-            <a:endParaRPr lang="zh-CN" altLang="en-US" sz="4000" dirty="0"/>
-          </a:p>
-        </p:txBody>
-      </p:sp>
-      <p:pic>
-        <p:nvPicPr>
-          <p:cNvPr id="5" name="图片占位符 4"/>
-          <p:cNvPicPr>
-            <a:picLocks noGrp="1" noChangeAspect="1"/>
-          </p:cNvPicPr>
-          <p:nvPr>
-            <p:ph type="pic" idx="1"/>
-          </p:nvPr>
-        </p:nvPicPr>
-        <p:blipFill>
-          <a:blip r:embed="rId2">
-            <a:extLst>
-              <a:ext uri="{28A0092B-C50C-407E-A947-70E740481C1C}">
-                <a14:useLocalDpi xmlns:a14="http://schemas.microsoft.com/office/drawing/2010/main" val="0"/>
-              </a:ext>
-            </a:extLst>
-          </a:blip>
-          <a:stretch>
-            <a:fillRect/>
-          </a:stretch>
-        </p:blipFill>
-        <p:spPr>
-          <a:xfrm>
-            <a:off x="0" y="1"/>
-            <a:ext cx="11806592" cy="4911634"/>
-          </a:xfrm>
-          <a:prstGeom prst="rect">
-            <a:avLst/>
-          </a:prstGeom>
-        </p:spPr>
-      </p:pic>
+              <a:rPr lang="en-US" altLang="zh-CN" dirty="0" smtClean="0"/>
+              <a:t>OOP Design</a:t>
+            </a:r>
+            <a:endParaRPr lang="zh-CN" altLang="en-US" dirty="0"/>
+          </a:p>
+        </p:txBody>
+      </p:sp>
     </p:spTree>
     <p:extLst>
       <p:ext uri="{BB962C8B-B14F-4D97-AF65-F5344CB8AC3E}">
-        <p14:creationId xmlns:p14="http://schemas.microsoft.com/office/powerpoint/2010/main" val="3426119716"/>
+        <p14:creationId xmlns:p14="http://schemas.microsoft.com/office/powerpoint/2010/main" val="3057180824"/>
       </p:ext>
     </p:extLst>
   </p:cSld>
@@ -3951,7 +3936,7 @@
           <a:p>
             <a:r>
               <a:rPr lang="en-US" altLang="zh-CN" sz="4000" dirty="0" smtClean="0"/>
-              <a:t>Polymorphism for items in the game</a:t>
+              <a:t>Observer pattern for listening mouse input</a:t>
             </a:r>
             <a:endParaRPr lang="zh-CN" altLang="en-US" sz="4000" dirty="0"/>
           </a:p>
@@ -3982,7 +3967,7 @@
         <p:spPr>
           <a:xfrm>
             <a:off x="0" y="1"/>
-            <a:ext cx="12192000" cy="4911634"/>
+            <a:ext cx="11806592" cy="4911634"/>
           </a:xfrm>
           <a:prstGeom prst="rect">
             <a:avLst/>
@@ -3992,7 +3977,7 @@
     </p:spTree>
     <p:extLst>
       <p:ext uri="{BB962C8B-B14F-4D97-AF65-F5344CB8AC3E}">
-        <p14:creationId xmlns:p14="http://schemas.microsoft.com/office/powerpoint/2010/main" val="3928338028"/>
+        <p14:creationId xmlns:p14="http://schemas.microsoft.com/office/powerpoint/2010/main" val="3426119716"/>
       </p:ext>
     </p:extLst>
   </p:cSld>
@@ -4042,6 +4027,2832 @@
           <a:lstStyle/>
           <a:p>
             <a:r>
+              <a:rPr lang="en-US" altLang="zh-CN" sz="4000" dirty="0" smtClean="0"/>
+              <a:t>Polymorphism for items in the game</a:t>
+            </a:r>
+            <a:endParaRPr lang="zh-CN" altLang="en-US" sz="4000" dirty="0"/>
+          </a:p>
+        </p:txBody>
+      </p:sp>
+      <p:pic>
+        <p:nvPicPr>
+          <p:cNvPr id="5" name="图片占位符 4"/>
+          <p:cNvPicPr>
+            <a:picLocks noGrp="1" noChangeAspect="1"/>
+          </p:cNvPicPr>
+          <p:nvPr>
+            <p:ph type="pic" idx="1"/>
+          </p:nvPr>
+        </p:nvPicPr>
+        <p:blipFill>
+          <a:blip r:embed="rId2">
+            <a:extLst>
+              <a:ext uri="{28A0092B-C50C-407E-A947-70E740481C1C}">
+                <a14:useLocalDpi xmlns:a14="http://schemas.microsoft.com/office/drawing/2010/main" val="0"/>
+              </a:ext>
+            </a:extLst>
+          </a:blip>
+          <a:stretch>
+            <a:fillRect/>
+          </a:stretch>
+        </p:blipFill>
+        <p:spPr>
+          <a:xfrm>
+            <a:off x="0" y="1"/>
+            <a:ext cx="12192000" cy="4911634"/>
+          </a:xfrm>
+          <a:prstGeom prst="rect">
+            <a:avLst/>
+          </a:prstGeom>
+        </p:spPr>
+      </p:pic>
+    </p:spTree>
+    <p:extLst>
+      <p:ext uri="{BB962C8B-B14F-4D97-AF65-F5344CB8AC3E}">
+        <p14:creationId xmlns:p14="http://schemas.microsoft.com/office/powerpoint/2010/main" val="3928338028"/>
+      </p:ext>
+    </p:extLst>
+  </p:cSld>
+  <p:clrMapOvr>
+    <a:masterClrMapping/>
+  </p:clrMapOvr>
+  <p:timing>
+    <p:tnLst>
+      <p:par>
+        <p:cTn id="1" dur="indefinite" restart="never" nodeType="tmRoot"/>
+      </p:par>
+    </p:tnLst>
+  </p:timing>
+</p:sld>
+</file>
+
+<file path=ppt/slides/slide13.xml><?xml version="1.0" encoding="utf-8"?>
+<p:sld xmlns:a="http://schemas.openxmlformats.org/drawingml/2006/main" xmlns:r="http://schemas.openxmlformats.org/officeDocument/2006/relationships" xmlns:p="http://schemas.openxmlformats.org/presentationml/2006/main">
+  <p:cSld>
+    <p:spTree>
+      <p:nvGrpSpPr>
+        <p:cNvPr id="1" name=""/>
+        <p:cNvGrpSpPr/>
+        <p:nvPr/>
+      </p:nvGrpSpPr>
+      <p:grpSpPr>
+        <a:xfrm>
+          <a:off x="0" y="0"/>
+          <a:ext cx="0" cy="0"/>
+          <a:chOff x="0" y="0"/>
+          <a:chExt cx="0" cy="0"/>
+        </a:xfrm>
+      </p:grpSpPr>
+      <p:sp>
+        <p:nvSpPr>
+          <p:cNvPr id="2" name="标题 1"/>
+          <p:cNvSpPr>
+            <a:spLocks noGrp="1"/>
+          </p:cNvSpPr>
+          <p:nvPr>
+            <p:ph type="title"/>
+          </p:nvPr>
+        </p:nvSpPr>
+        <p:spPr>
+          <a:xfrm>
+            <a:off x="400929" y="4223823"/>
+            <a:ext cx="3200400" cy="2286000"/>
+          </a:xfrm>
+        </p:spPr>
+        <p:txBody>
+          <a:bodyPr/>
+          <a:lstStyle/>
+          <a:p>
+            <a:r>
+              <a:rPr lang="en-US" altLang="zh-CN" dirty="0" smtClean="0"/>
+              <a:t>Strategy pattern for rendering fixtures</a:t>
+            </a:r>
+            <a:endParaRPr lang="zh-CN" altLang="en-US" dirty="0"/>
+          </a:p>
+        </p:txBody>
+      </p:sp>
+      <p:pic>
+        <p:nvPicPr>
+          <p:cNvPr id="5" name="图片 4"/>
+          <p:cNvPicPr>
+            <a:picLocks noChangeAspect="1"/>
+          </p:cNvPicPr>
+          <p:nvPr/>
+        </p:nvPicPr>
+        <p:blipFill>
+          <a:blip r:embed="rId2"/>
+          <a:stretch>
+            <a:fillRect/>
+          </a:stretch>
+        </p:blipFill>
+        <p:spPr>
+          <a:xfrm>
+            <a:off x="6395742" y="-1"/>
+            <a:ext cx="3127375" cy="6858001"/>
+          </a:xfrm>
+          <a:prstGeom prst="rect">
+            <a:avLst/>
+          </a:prstGeom>
+        </p:spPr>
+      </p:pic>
+    </p:spTree>
+    <p:extLst>
+      <p:ext uri="{BB962C8B-B14F-4D97-AF65-F5344CB8AC3E}">
+        <p14:creationId xmlns:p14="http://schemas.microsoft.com/office/powerpoint/2010/main" val="1597978593"/>
+      </p:ext>
+    </p:extLst>
+  </p:cSld>
+  <p:clrMapOvr>
+    <a:masterClrMapping/>
+  </p:clrMapOvr>
+  <p:timing>
+    <p:tnLst>
+      <p:par>
+        <p:cTn id="1" dur="indefinite" restart="never" nodeType="tmRoot"/>
+      </p:par>
+    </p:tnLst>
+  </p:timing>
+</p:sld>
+</file>
+
+<file path=ppt/slides/slide14.xml><?xml version="1.0" encoding="utf-8"?>
+<p:sld xmlns:a="http://schemas.openxmlformats.org/drawingml/2006/main" xmlns:r="http://schemas.openxmlformats.org/officeDocument/2006/relationships" xmlns:p="http://schemas.openxmlformats.org/presentationml/2006/main">
+  <p:cSld>
+    <p:spTree>
+      <p:nvGrpSpPr>
+        <p:cNvPr id="1" name=""/>
+        <p:cNvGrpSpPr/>
+        <p:nvPr/>
+      </p:nvGrpSpPr>
+      <p:grpSpPr>
+        <a:xfrm>
+          <a:off x="0" y="0"/>
+          <a:ext cx="0" cy="0"/>
+          <a:chOff x="0" y="0"/>
+          <a:chExt cx="0" cy="0"/>
+        </a:xfrm>
+      </p:grpSpPr>
+      <p:sp>
+        <p:nvSpPr>
+          <p:cNvPr id="2" name="标题 1"/>
+          <p:cNvSpPr>
+            <a:spLocks noGrp="1"/>
+          </p:cNvSpPr>
+          <p:nvPr>
+            <p:ph type="title"/>
+          </p:nvPr>
+        </p:nvSpPr>
+        <p:spPr/>
+        <p:txBody>
+          <a:bodyPr/>
+          <a:lstStyle/>
+          <a:p>
+            <a:r>
+              <a:rPr lang="en-US" altLang="zh-CN" dirty="0" smtClean="0"/>
+              <a:t>Special Techniques</a:t>
+            </a:r>
+            <a:endParaRPr lang="zh-CN" altLang="en-US" dirty="0"/>
+          </a:p>
+        </p:txBody>
+      </p:sp>
+    </p:spTree>
+    <p:extLst>
+      <p:ext uri="{BB962C8B-B14F-4D97-AF65-F5344CB8AC3E}">
+        <p14:creationId xmlns:p14="http://schemas.microsoft.com/office/powerpoint/2010/main" val="1543602469"/>
+      </p:ext>
+    </p:extLst>
+  </p:cSld>
+  <p:clrMapOvr>
+    <a:masterClrMapping/>
+  </p:clrMapOvr>
+  <p:timing>
+    <p:tnLst>
+      <p:par>
+        <p:cTn id="1" dur="indefinite" restart="never" nodeType="tmRoot"/>
+      </p:par>
+    </p:tnLst>
+  </p:timing>
+</p:sld>
+</file>
+
+<file path=ppt/slides/slide15.xml><?xml version="1.0" encoding="utf-8"?>
+<p:sld xmlns:a="http://schemas.openxmlformats.org/drawingml/2006/main" xmlns:r="http://schemas.openxmlformats.org/officeDocument/2006/relationships" xmlns:p="http://schemas.openxmlformats.org/presentationml/2006/main">
+  <p:cSld>
+    <p:spTree>
+      <p:nvGrpSpPr>
+        <p:cNvPr id="1" name=""/>
+        <p:cNvGrpSpPr/>
+        <p:nvPr/>
+      </p:nvGrpSpPr>
+      <p:grpSpPr>
+        <a:xfrm>
+          <a:off x="0" y="0"/>
+          <a:ext cx="0" cy="0"/>
+          <a:chOff x="0" y="0"/>
+          <a:chExt cx="0" cy="0"/>
+        </a:xfrm>
+      </p:grpSpPr>
+      <p:sp>
+        <p:nvSpPr>
+          <p:cNvPr id="2" name="标题 1"/>
+          <p:cNvSpPr>
+            <a:spLocks noGrp="1"/>
+          </p:cNvSpPr>
+          <p:nvPr>
+            <p:ph type="title"/>
+          </p:nvPr>
+        </p:nvSpPr>
+        <p:spPr/>
+        <p:txBody>
+          <a:bodyPr/>
+          <a:lstStyle/>
+          <a:p>
+            <a:r>
+              <a:rPr lang="en-US" altLang="zh-CN" sz="4000" dirty="0" smtClean="0"/>
+              <a:t>How to display a smooth liquid surface?</a:t>
+            </a:r>
+            <a:endParaRPr lang="zh-CN" altLang="en-US" sz="4000" dirty="0"/>
+          </a:p>
+        </p:txBody>
+      </p:sp>
+      <p:sp>
+        <p:nvSpPr>
+          <p:cNvPr id="4" name="椭圆 3"/>
+          <p:cNvSpPr/>
+          <p:nvPr/>
+        </p:nvSpPr>
+        <p:spPr>
+          <a:xfrm>
+            <a:off x="2886891" y="1397726"/>
+            <a:ext cx="2163411" cy="2119197"/>
+          </a:xfrm>
+          <a:prstGeom prst="ellipse">
+            <a:avLst/>
+          </a:prstGeom>
+          <a:effectLst>
+            <a:softEdge rad="292100"/>
+          </a:effectLst>
+        </p:spPr>
+        <p:style>
+          <a:lnRef idx="2">
+            <a:schemeClr val="accent1">
+              <a:shade val="50000"/>
+            </a:schemeClr>
+          </a:lnRef>
+          <a:fillRef idx="1">
+            <a:schemeClr val="accent1"/>
+          </a:fillRef>
+          <a:effectRef idx="0">
+            <a:schemeClr val="accent1"/>
+          </a:effectRef>
+          <a:fontRef idx="minor">
+            <a:schemeClr val="lt1"/>
+          </a:fontRef>
+        </p:style>
+        <p:txBody>
+          <a:bodyPr rtlCol="0" anchor="ctr"/>
+          <a:lstStyle/>
+          <a:p>
+            <a:pPr algn="ctr"/>
+            <a:endParaRPr lang="zh-CN" altLang="en-US"/>
+          </a:p>
+        </p:txBody>
+      </p:sp>
+      <p:sp>
+        <p:nvSpPr>
+          <p:cNvPr id="6" name="椭圆 5"/>
+          <p:cNvSpPr/>
+          <p:nvPr/>
+        </p:nvSpPr>
+        <p:spPr>
+          <a:xfrm>
+            <a:off x="3841150" y="917080"/>
+            <a:ext cx="2163411" cy="2119197"/>
+          </a:xfrm>
+          <a:prstGeom prst="ellipse">
+            <a:avLst/>
+          </a:prstGeom>
+          <a:effectLst>
+            <a:softEdge rad="292100"/>
+          </a:effectLst>
+        </p:spPr>
+        <p:style>
+          <a:lnRef idx="2">
+            <a:schemeClr val="accent1">
+              <a:shade val="50000"/>
+            </a:schemeClr>
+          </a:lnRef>
+          <a:fillRef idx="1">
+            <a:schemeClr val="accent1"/>
+          </a:fillRef>
+          <a:effectRef idx="0">
+            <a:schemeClr val="accent1"/>
+          </a:effectRef>
+          <a:fontRef idx="minor">
+            <a:schemeClr val="lt1"/>
+          </a:fontRef>
+        </p:style>
+        <p:txBody>
+          <a:bodyPr rtlCol="0" anchor="ctr"/>
+          <a:lstStyle/>
+          <a:p>
+            <a:pPr algn="ctr"/>
+            <a:endParaRPr lang="zh-CN" altLang="en-US"/>
+          </a:p>
+        </p:txBody>
+      </p:sp>
+      <p:sp>
+        <p:nvSpPr>
+          <p:cNvPr id="7" name="椭圆 6"/>
+          <p:cNvSpPr/>
+          <p:nvPr/>
+        </p:nvSpPr>
+        <p:spPr>
+          <a:xfrm>
+            <a:off x="4445726" y="1878372"/>
+            <a:ext cx="2163411" cy="2119197"/>
+          </a:xfrm>
+          <a:prstGeom prst="ellipse">
+            <a:avLst/>
+          </a:prstGeom>
+          <a:effectLst>
+            <a:softEdge rad="292100"/>
+          </a:effectLst>
+        </p:spPr>
+        <p:style>
+          <a:lnRef idx="2">
+            <a:schemeClr val="accent1">
+              <a:shade val="50000"/>
+            </a:schemeClr>
+          </a:lnRef>
+          <a:fillRef idx="1">
+            <a:schemeClr val="accent1"/>
+          </a:fillRef>
+          <a:effectRef idx="0">
+            <a:schemeClr val="accent1"/>
+          </a:effectRef>
+          <a:fontRef idx="minor">
+            <a:schemeClr val="lt1"/>
+          </a:fontRef>
+        </p:style>
+        <p:txBody>
+          <a:bodyPr rtlCol="0" anchor="ctr"/>
+          <a:lstStyle/>
+          <a:p>
+            <a:pPr algn="ctr"/>
+            <a:endParaRPr lang="zh-CN" altLang="en-US"/>
+          </a:p>
+        </p:txBody>
+      </p:sp>
+      <p:sp>
+        <p:nvSpPr>
+          <p:cNvPr id="8" name="椭圆 7"/>
+          <p:cNvSpPr/>
+          <p:nvPr/>
+        </p:nvSpPr>
+        <p:spPr>
+          <a:xfrm>
+            <a:off x="5399985" y="1157403"/>
+            <a:ext cx="2163411" cy="2119197"/>
+          </a:xfrm>
+          <a:prstGeom prst="ellipse">
+            <a:avLst/>
+          </a:prstGeom>
+          <a:effectLst>
+            <a:softEdge rad="292100"/>
+          </a:effectLst>
+        </p:spPr>
+        <p:style>
+          <a:lnRef idx="2">
+            <a:schemeClr val="accent1">
+              <a:shade val="50000"/>
+            </a:schemeClr>
+          </a:lnRef>
+          <a:fillRef idx="1">
+            <a:schemeClr val="accent1"/>
+          </a:fillRef>
+          <a:effectRef idx="0">
+            <a:schemeClr val="accent1"/>
+          </a:effectRef>
+          <a:fontRef idx="minor">
+            <a:schemeClr val="lt1"/>
+          </a:fontRef>
+        </p:style>
+        <p:txBody>
+          <a:bodyPr rtlCol="0" anchor="ctr"/>
+          <a:lstStyle/>
+          <a:p>
+            <a:pPr algn="ctr"/>
+            <a:endParaRPr lang="zh-CN" altLang="en-US"/>
+          </a:p>
+        </p:txBody>
+      </p:sp>
+      <p:sp>
+        <p:nvSpPr>
+          <p:cNvPr id="9" name="椭圆 8"/>
+          <p:cNvSpPr/>
+          <p:nvPr/>
+        </p:nvSpPr>
+        <p:spPr>
+          <a:xfrm>
+            <a:off x="6354244" y="1517887"/>
+            <a:ext cx="2163411" cy="2119197"/>
+          </a:xfrm>
+          <a:prstGeom prst="ellipse">
+            <a:avLst/>
+          </a:prstGeom>
+          <a:effectLst>
+            <a:softEdge rad="292100"/>
+          </a:effectLst>
+        </p:spPr>
+        <p:style>
+          <a:lnRef idx="2">
+            <a:schemeClr val="accent1">
+              <a:shade val="50000"/>
+            </a:schemeClr>
+          </a:lnRef>
+          <a:fillRef idx="1">
+            <a:schemeClr val="accent1"/>
+          </a:fillRef>
+          <a:effectRef idx="0">
+            <a:schemeClr val="accent1"/>
+          </a:effectRef>
+          <a:fontRef idx="minor">
+            <a:schemeClr val="lt1"/>
+          </a:fontRef>
+        </p:style>
+        <p:txBody>
+          <a:bodyPr rtlCol="0" anchor="ctr"/>
+          <a:lstStyle/>
+          <a:p>
+            <a:pPr algn="ctr"/>
+            <a:endParaRPr lang="zh-CN" altLang="en-US"/>
+          </a:p>
+        </p:txBody>
+      </p:sp>
+      <p:sp>
+        <p:nvSpPr>
+          <p:cNvPr id="10" name="椭圆 9"/>
+          <p:cNvSpPr/>
+          <p:nvPr/>
+        </p:nvSpPr>
+        <p:spPr>
+          <a:xfrm>
+            <a:off x="6959155" y="436434"/>
+            <a:ext cx="2163411" cy="2119197"/>
+          </a:xfrm>
+          <a:prstGeom prst="ellipse">
+            <a:avLst/>
+          </a:prstGeom>
+          <a:effectLst>
+            <a:softEdge rad="292100"/>
+          </a:effectLst>
+        </p:spPr>
+        <p:style>
+          <a:lnRef idx="2">
+            <a:schemeClr val="accent1">
+              <a:shade val="50000"/>
+            </a:schemeClr>
+          </a:lnRef>
+          <a:fillRef idx="1">
+            <a:schemeClr val="accent1"/>
+          </a:fillRef>
+          <a:effectRef idx="0">
+            <a:schemeClr val="accent1"/>
+          </a:effectRef>
+          <a:fontRef idx="minor">
+            <a:schemeClr val="lt1"/>
+          </a:fontRef>
+        </p:style>
+        <p:txBody>
+          <a:bodyPr rtlCol="0" anchor="ctr"/>
+          <a:lstStyle/>
+          <a:p>
+            <a:pPr algn="ctr"/>
+            <a:endParaRPr lang="zh-CN" altLang="en-US"/>
+          </a:p>
+        </p:txBody>
+      </p:sp>
+      <p:sp>
+        <p:nvSpPr>
+          <p:cNvPr id="11" name="椭圆 10"/>
+          <p:cNvSpPr/>
+          <p:nvPr/>
+        </p:nvSpPr>
+        <p:spPr>
+          <a:xfrm>
+            <a:off x="7785632" y="1856516"/>
+            <a:ext cx="2163411" cy="2119197"/>
+          </a:xfrm>
+          <a:prstGeom prst="ellipse">
+            <a:avLst/>
+          </a:prstGeom>
+          <a:effectLst>
+            <a:softEdge rad="292100"/>
+          </a:effectLst>
+        </p:spPr>
+        <p:style>
+          <a:lnRef idx="2">
+            <a:schemeClr val="accent1">
+              <a:shade val="50000"/>
+            </a:schemeClr>
+          </a:lnRef>
+          <a:fillRef idx="1">
+            <a:schemeClr val="accent1"/>
+          </a:fillRef>
+          <a:effectRef idx="0">
+            <a:schemeClr val="accent1"/>
+          </a:effectRef>
+          <a:fontRef idx="minor">
+            <a:schemeClr val="lt1"/>
+          </a:fontRef>
+        </p:style>
+        <p:txBody>
+          <a:bodyPr rtlCol="0" anchor="ctr"/>
+          <a:lstStyle/>
+          <a:p>
+            <a:pPr algn="ctr"/>
+            <a:endParaRPr lang="zh-CN" altLang="en-US"/>
+          </a:p>
+        </p:txBody>
+      </p:sp>
+      <p:sp>
+        <p:nvSpPr>
+          <p:cNvPr id="27" name="任意多边形 26"/>
+          <p:cNvSpPr/>
+          <p:nvPr/>
+        </p:nvSpPr>
+        <p:spPr>
+          <a:xfrm>
+            <a:off x="3108960" y="602732"/>
+            <a:ext cx="6077243" cy="1732503"/>
+          </a:xfrm>
+          <a:custGeom>
+            <a:avLst/>
+            <a:gdLst>
+              <a:gd name="connsiteX0" fmla="*/ 0 w 6077243"/>
+              <a:gd name="connsiteY0" fmla="*/ 1732503 h 1732503"/>
+              <a:gd name="connsiteX1" fmla="*/ 337624 w 6077243"/>
+              <a:gd name="connsiteY1" fmla="*/ 1211999 h 1732503"/>
+              <a:gd name="connsiteX2" fmla="*/ 858129 w 6077243"/>
+              <a:gd name="connsiteY2" fmla="*/ 1029119 h 1732503"/>
+              <a:gd name="connsiteX3" fmla="*/ 1322363 w 6077243"/>
+              <a:gd name="connsiteY3" fmla="*/ 663359 h 1732503"/>
+              <a:gd name="connsiteX4" fmla="*/ 1674055 w 6077243"/>
+              <a:gd name="connsiteY4" fmla="*/ 550817 h 1732503"/>
+              <a:gd name="connsiteX5" fmla="*/ 2208627 w 6077243"/>
+              <a:gd name="connsiteY5" fmla="*/ 607088 h 1732503"/>
+              <a:gd name="connsiteX6" fmla="*/ 2546252 w 6077243"/>
+              <a:gd name="connsiteY6" fmla="*/ 972848 h 1732503"/>
+              <a:gd name="connsiteX7" fmla="*/ 2926080 w 6077243"/>
+              <a:gd name="connsiteY7" fmla="*/ 860306 h 1732503"/>
+              <a:gd name="connsiteX8" fmla="*/ 3263704 w 6077243"/>
+              <a:gd name="connsiteY8" fmla="*/ 747765 h 1732503"/>
+              <a:gd name="connsiteX9" fmla="*/ 3812344 w 6077243"/>
+              <a:gd name="connsiteY9" fmla="*/ 902510 h 1732503"/>
+              <a:gd name="connsiteX10" fmla="*/ 4107766 w 6077243"/>
+              <a:gd name="connsiteY10" fmla="*/ 888442 h 1732503"/>
+              <a:gd name="connsiteX11" fmla="*/ 4135901 w 6077243"/>
+              <a:gd name="connsiteY11" fmla="*/ 649291 h 1732503"/>
+              <a:gd name="connsiteX12" fmla="*/ 4206240 w 6077243"/>
+              <a:gd name="connsiteY12" fmla="*/ 382005 h 1732503"/>
+              <a:gd name="connsiteX13" fmla="*/ 4473526 w 6077243"/>
+              <a:gd name="connsiteY13" fmla="*/ 128786 h 1732503"/>
+              <a:gd name="connsiteX14" fmla="*/ 4937760 w 6077243"/>
+              <a:gd name="connsiteY14" fmla="*/ 2177 h 1732503"/>
+              <a:gd name="connsiteX15" fmla="*/ 5528603 w 6077243"/>
+              <a:gd name="connsiteY15" fmla="*/ 227260 h 1732503"/>
+              <a:gd name="connsiteX16" fmla="*/ 5781821 w 6077243"/>
+              <a:gd name="connsiteY16" fmla="*/ 733697 h 1732503"/>
+              <a:gd name="connsiteX17" fmla="*/ 5739618 w 6077243"/>
+              <a:gd name="connsiteY17" fmla="*/ 1211999 h 1732503"/>
+              <a:gd name="connsiteX18" fmla="*/ 5753686 w 6077243"/>
+              <a:gd name="connsiteY18" fmla="*/ 1493353 h 1732503"/>
+              <a:gd name="connsiteX19" fmla="*/ 6077243 w 6077243"/>
+              <a:gd name="connsiteY19" fmla="*/ 1577759 h 1732503"/>
+            </a:gdLst>
+            <a:ahLst/>
+            <a:cxnLst>
+              <a:cxn ang="0">
+                <a:pos x="connsiteX0" y="connsiteY0"/>
+              </a:cxn>
+              <a:cxn ang="0">
+                <a:pos x="connsiteX1" y="connsiteY1"/>
+              </a:cxn>
+              <a:cxn ang="0">
+                <a:pos x="connsiteX2" y="connsiteY2"/>
+              </a:cxn>
+              <a:cxn ang="0">
+                <a:pos x="connsiteX3" y="connsiteY3"/>
+              </a:cxn>
+              <a:cxn ang="0">
+                <a:pos x="connsiteX4" y="connsiteY4"/>
+              </a:cxn>
+              <a:cxn ang="0">
+                <a:pos x="connsiteX5" y="connsiteY5"/>
+              </a:cxn>
+              <a:cxn ang="0">
+                <a:pos x="connsiteX6" y="connsiteY6"/>
+              </a:cxn>
+              <a:cxn ang="0">
+                <a:pos x="connsiteX7" y="connsiteY7"/>
+              </a:cxn>
+              <a:cxn ang="0">
+                <a:pos x="connsiteX8" y="connsiteY8"/>
+              </a:cxn>
+              <a:cxn ang="0">
+                <a:pos x="connsiteX9" y="connsiteY9"/>
+              </a:cxn>
+              <a:cxn ang="0">
+                <a:pos x="connsiteX10" y="connsiteY10"/>
+              </a:cxn>
+              <a:cxn ang="0">
+                <a:pos x="connsiteX11" y="connsiteY11"/>
+              </a:cxn>
+              <a:cxn ang="0">
+                <a:pos x="connsiteX12" y="connsiteY12"/>
+              </a:cxn>
+              <a:cxn ang="0">
+                <a:pos x="connsiteX13" y="connsiteY13"/>
+              </a:cxn>
+              <a:cxn ang="0">
+                <a:pos x="connsiteX14" y="connsiteY14"/>
+              </a:cxn>
+              <a:cxn ang="0">
+                <a:pos x="connsiteX15" y="connsiteY15"/>
+              </a:cxn>
+              <a:cxn ang="0">
+                <a:pos x="connsiteX16" y="connsiteY16"/>
+              </a:cxn>
+              <a:cxn ang="0">
+                <a:pos x="connsiteX17" y="connsiteY17"/>
+              </a:cxn>
+              <a:cxn ang="0">
+                <a:pos x="connsiteX18" y="connsiteY18"/>
+              </a:cxn>
+              <a:cxn ang="0">
+                <a:pos x="connsiteX19" y="connsiteY19"/>
+              </a:cxn>
+            </a:cxnLst>
+            <a:rect l="l" t="t" r="r" b="b"/>
+            <a:pathLst>
+              <a:path w="6077243" h="1732503">
+                <a:moveTo>
+                  <a:pt x="0" y="1732503"/>
+                </a:moveTo>
+                <a:cubicBezTo>
+                  <a:pt x="97301" y="1530866"/>
+                  <a:pt x="194602" y="1329230"/>
+                  <a:pt x="337624" y="1211999"/>
+                </a:cubicBezTo>
+                <a:cubicBezTo>
+                  <a:pt x="480646" y="1094768"/>
+                  <a:pt x="694006" y="1120559"/>
+                  <a:pt x="858129" y="1029119"/>
+                </a:cubicBezTo>
+                <a:cubicBezTo>
+                  <a:pt x="1022252" y="937679"/>
+                  <a:pt x="1186375" y="743076"/>
+                  <a:pt x="1322363" y="663359"/>
+                </a:cubicBezTo>
+                <a:cubicBezTo>
+                  <a:pt x="1458351" y="583642"/>
+                  <a:pt x="1526344" y="560196"/>
+                  <a:pt x="1674055" y="550817"/>
+                </a:cubicBezTo>
+                <a:cubicBezTo>
+                  <a:pt x="1821766" y="541438"/>
+                  <a:pt x="2063261" y="536749"/>
+                  <a:pt x="2208627" y="607088"/>
+                </a:cubicBezTo>
+                <a:cubicBezTo>
+                  <a:pt x="2353993" y="677426"/>
+                  <a:pt x="2426677" y="930645"/>
+                  <a:pt x="2546252" y="972848"/>
+                </a:cubicBezTo>
+                <a:cubicBezTo>
+                  <a:pt x="2665827" y="1015051"/>
+                  <a:pt x="2806505" y="897820"/>
+                  <a:pt x="2926080" y="860306"/>
+                </a:cubicBezTo>
+                <a:cubicBezTo>
+                  <a:pt x="3045655" y="822792"/>
+                  <a:pt x="3115993" y="740731"/>
+                  <a:pt x="3263704" y="747765"/>
+                </a:cubicBezTo>
+                <a:cubicBezTo>
+                  <a:pt x="3411415" y="754799"/>
+                  <a:pt x="3671667" y="879064"/>
+                  <a:pt x="3812344" y="902510"/>
+                </a:cubicBezTo>
+                <a:cubicBezTo>
+                  <a:pt x="3953021" y="925956"/>
+                  <a:pt x="4053840" y="930645"/>
+                  <a:pt x="4107766" y="888442"/>
+                </a:cubicBezTo>
+                <a:cubicBezTo>
+                  <a:pt x="4161692" y="846239"/>
+                  <a:pt x="4119489" y="733697"/>
+                  <a:pt x="4135901" y="649291"/>
+                </a:cubicBezTo>
+                <a:cubicBezTo>
+                  <a:pt x="4152313" y="564885"/>
+                  <a:pt x="4149969" y="468756"/>
+                  <a:pt x="4206240" y="382005"/>
+                </a:cubicBezTo>
+                <a:cubicBezTo>
+                  <a:pt x="4262511" y="295254"/>
+                  <a:pt x="4351606" y="192091"/>
+                  <a:pt x="4473526" y="128786"/>
+                </a:cubicBezTo>
+                <a:cubicBezTo>
+                  <a:pt x="4595446" y="65481"/>
+                  <a:pt x="4761914" y="-14235"/>
+                  <a:pt x="4937760" y="2177"/>
+                </a:cubicBezTo>
+                <a:cubicBezTo>
+                  <a:pt x="5113606" y="18589"/>
+                  <a:pt x="5387926" y="105340"/>
+                  <a:pt x="5528603" y="227260"/>
+                </a:cubicBezTo>
+                <a:cubicBezTo>
+                  <a:pt x="5669280" y="349180"/>
+                  <a:pt x="5746652" y="569574"/>
+                  <a:pt x="5781821" y="733697"/>
+                </a:cubicBezTo>
+                <a:cubicBezTo>
+                  <a:pt x="5816990" y="897820"/>
+                  <a:pt x="5744307" y="1085390"/>
+                  <a:pt x="5739618" y="1211999"/>
+                </a:cubicBezTo>
+                <a:cubicBezTo>
+                  <a:pt x="5734929" y="1338608"/>
+                  <a:pt x="5697415" y="1432393"/>
+                  <a:pt x="5753686" y="1493353"/>
+                </a:cubicBezTo>
+                <a:cubicBezTo>
+                  <a:pt x="5809957" y="1554313"/>
+                  <a:pt x="5943600" y="1566036"/>
+                  <a:pt x="6077243" y="1577759"/>
+                </a:cubicBezTo>
+              </a:path>
+            </a:pathLst>
+          </a:custGeom>
+          <a:noFill/>
+          <a:ln>
+            <a:solidFill>
+              <a:schemeClr val="tx1"/>
+            </a:solidFill>
+          </a:ln>
+        </p:spPr>
+        <p:style>
+          <a:lnRef idx="2">
+            <a:schemeClr val="accent1">
+              <a:shade val="50000"/>
+            </a:schemeClr>
+          </a:lnRef>
+          <a:fillRef idx="1">
+            <a:schemeClr val="accent1"/>
+          </a:fillRef>
+          <a:effectRef idx="0">
+            <a:schemeClr val="accent1"/>
+          </a:effectRef>
+          <a:fontRef idx="minor">
+            <a:schemeClr val="lt1"/>
+          </a:fontRef>
+        </p:style>
+        <p:txBody>
+          <a:bodyPr rtlCol="0" anchor="ctr"/>
+          <a:lstStyle/>
+          <a:p>
+            <a:pPr algn="ctr"/>
+            <a:endParaRPr lang="zh-CN" altLang="en-US"/>
+          </a:p>
+        </p:txBody>
+      </p:sp>
+      <p:sp>
+        <p:nvSpPr>
+          <p:cNvPr id="28" name="任意多边形 27"/>
+          <p:cNvSpPr/>
+          <p:nvPr/>
+        </p:nvSpPr>
+        <p:spPr>
+          <a:xfrm>
+            <a:off x="3088120" y="2180493"/>
+            <a:ext cx="6535844" cy="1634827"/>
+          </a:xfrm>
+          <a:custGeom>
+            <a:avLst/>
+            <a:gdLst>
+              <a:gd name="connsiteX0" fmla="*/ 6098083 w 6535844"/>
+              <a:gd name="connsiteY0" fmla="*/ 0 h 1634827"/>
+              <a:gd name="connsiteX1" fmla="*/ 6421640 w 6535844"/>
+              <a:gd name="connsiteY1" fmla="*/ 295421 h 1634827"/>
+              <a:gd name="connsiteX2" fmla="*/ 6534181 w 6535844"/>
+              <a:gd name="connsiteY2" fmla="*/ 815926 h 1634827"/>
+              <a:gd name="connsiteX3" fmla="*/ 6351301 w 6535844"/>
+              <a:gd name="connsiteY3" fmla="*/ 1336430 h 1634827"/>
+              <a:gd name="connsiteX4" fmla="*/ 5704187 w 6535844"/>
+              <a:gd name="connsiteY4" fmla="*/ 1631852 h 1634827"/>
+              <a:gd name="connsiteX5" fmla="*/ 5141480 w 6535844"/>
+              <a:gd name="connsiteY5" fmla="*/ 1322363 h 1634827"/>
+              <a:gd name="connsiteX6" fmla="*/ 4902329 w 6535844"/>
+              <a:gd name="connsiteY6" fmla="*/ 1069144 h 1634827"/>
+              <a:gd name="connsiteX7" fmla="*/ 4424027 w 6535844"/>
+              <a:gd name="connsiteY7" fmla="*/ 1294227 h 1634827"/>
+              <a:gd name="connsiteX8" fmla="*/ 3805049 w 6535844"/>
+              <a:gd name="connsiteY8" fmla="*/ 1083212 h 1634827"/>
+              <a:gd name="connsiteX9" fmla="*/ 3453357 w 6535844"/>
+              <a:gd name="connsiteY9" fmla="*/ 886264 h 1634827"/>
+              <a:gd name="connsiteX10" fmla="*/ 3115732 w 6535844"/>
+              <a:gd name="connsiteY10" fmla="*/ 1308295 h 1634827"/>
+              <a:gd name="connsiteX11" fmla="*/ 2651498 w 6535844"/>
+              <a:gd name="connsiteY11" fmla="*/ 1631852 h 1634827"/>
+              <a:gd name="connsiteX12" fmla="*/ 1821504 w 6535844"/>
+              <a:gd name="connsiteY12" fmla="*/ 1434904 h 1634827"/>
+              <a:gd name="connsiteX13" fmla="*/ 1638624 w 6535844"/>
+              <a:gd name="connsiteY13" fmla="*/ 886264 h 1634827"/>
+              <a:gd name="connsiteX14" fmla="*/ 991510 w 6535844"/>
+              <a:gd name="connsiteY14" fmla="*/ 1153550 h 1634827"/>
+              <a:gd name="connsiteX15" fmla="*/ 302194 w 6535844"/>
+              <a:gd name="connsiteY15" fmla="*/ 886264 h 1634827"/>
+              <a:gd name="connsiteX16" fmla="*/ 20840 w 6535844"/>
+              <a:gd name="connsiteY16" fmla="*/ 436098 h 1634827"/>
+              <a:gd name="connsiteX17" fmla="*/ 20840 w 6535844"/>
+              <a:gd name="connsiteY17" fmla="*/ 154744 h 1634827"/>
+              <a:gd name="connsiteX18" fmla="*/ 20840 w 6535844"/>
+              <a:gd name="connsiteY18" fmla="*/ 154744 h 1634827"/>
+              <a:gd name="connsiteX19" fmla="*/ 20840 w 6535844"/>
+              <a:gd name="connsiteY19" fmla="*/ 168812 h 1634827"/>
+            </a:gdLst>
+            <a:ahLst/>
+            <a:cxnLst>
+              <a:cxn ang="0">
+                <a:pos x="connsiteX0" y="connsiteY0"/>
+              </a:cxn>
+              <a:cxn ang="0">
+                <a:pos x="connsiteX1" y="connsiteY1"/>
+              </a:cxn>
+              <a:cxn ang="0">
+                <a:pos x="connsiteX2" y="connsiteY2"/>
+              </a:cxn>
+              <a:cxn ang="0">
+                <a:pos x="connsiteX3" y="connsiteY3"/>
+              </a:cxn>
+              <a:cxn ang="0">
+                <a:pos x="connsiteX4" y="connsiteY4"/>
+              </a:cxn>
+              <a:cxn ang="0">
+                <a:pos x="connsiteX5" y="connsiteY5"/>
+              </a:cxn>
+              <a:cxn ang="0">
+                <a:pos x="connsiteX6" y="connsiteY6"/>
+              </a:cxn>
+              <a:cxn ang="0">
+                <a:pos x="connsiteX7" y="connsiteY7"/>
+              </a:cxn>
+              <a:cxn ang="0">
+                <a:pos x="connsiteX8" y="connsiteY8"/>
+              </a:cxn>
+              <a:cxn ang="0">
+                <a:pos x="connsiteX9" y="connsiteY9"/>
+              </a:cxn>
+              <a:cxn ang="0">
+                <a:pos x="connsiteX10" y="connsiteY10"/>
+              </a:cxn>
+              <a:cxn ang="0">
+                <a:pos x="connsiteX11" y="connsiteY11"/>
+              </a:cxn>
+              <a:cxn ang="0">
+                <a:pos x="connsiteX12" y="connsiteY12"/>
+              </a:cxn>
+              <a:cxn ang="0">
+                <a:pos x="connsiteX13" y="connsiteY13"/>
+              </a:cxn>
+              <a:cxn ang="0">
+                <a:pos x="connsiteX14" y="connsiteY14"/>
+              </a:cxn>
+              <a:cxn ang="0">
+                <a:pos x="connsiteX15" y="connsiteY15"/>
+              </a:cxn>
+              <a:cxn ang="0">
+                <a:pos x="connsiteX16" y="connsiteY16"/>
+              </a:cxn>
+              <a:cxn ang="0">
+                <a:pos x="connsiteX17" y="connsiteY17"/>
+              </a:cxn>
+              <a:cxn ang="0">
+                <a:pos x="connsiteX18" y="connsiteY18"/>
+              </a:cxn>
+              <a:cxn ang="0">
+                <a:pos x="connsiteX19" y="connsiteY19"/>
+              </a:cxn>
+            </a:cxnLst>
+            <a:rect l="l" t="t" r="r" b="b"/>
+            <a:pathLst>
+              <a:path w="6535844" h="1634827">
+                <a:moveTo>
+                  <a:pt x="6098083" y="0"/>
+                </a:moveTo>
+                <a:cubicBezTo>
+                  <a:pt x="6223520" y="79716"/>
+                  <a:pt x="6348957" y="159433"/>
+                  <a:pt x="6421640" y="295421"/>
+                </a:cubicBezTo>
+                <a:cubicBezTo>
+                  <a:pt x="6494323" y="431409"/>
+                  <a:pt x="6545904" y="642425"/>
+                  <a:pt x="6534181" y="815926"/>
+                </a:cubicBezTo>
+                <a:cubicBezTo>
+                  <a:pt x="6522458" y="989427"/>
+                  <a:pt x="6489633" y="1200442"/>
+                  <a:pt x="6351301" y="1336430"/>
+                </a:cubicBezTo>
+                <a:cubicBezTo>
+                  <a:pt x="6212969" y="1472418"/>
+                  <a:pt x="5905824" y="1634197"/>
+                  <a:pt x="5704187" y="1631852"/>
+                </a:cubicBezTo>
+                <a:cubicBezTo>
+                  <a:pt x="5502550" y="1629508"/>
+                  <a:pt x="5275123" y="1416148"/>
+                  <a:pt x="5141480" y="1322363"/>
+                </a:cubicBezTo>
+                <a:cubicBezTo>
+                  <a:pt x="5007837" y="1228578"/>
+                  <a:pt x="5021904" y="1073833"/>
+                  <a:pt x="4902329" y="1069144"/>
+                </a:cubicBezTo>
+                <a:cubicBezTo>
+                  <a:pt x="4782754" y="1064455"/>
+                  <a:pt x="4606907" y="1291882"/>
+                  <a:pt x="4424027" y="1294227"/>
+                </a:cubicBezTo>
+                <a:cubicBezTo>
+                  <a:pt x="4241147" y="1296572"/>
+                  <a:pt x="3966827" y="1151206"/>
+                  <a:pt x="3805049" y="1083212"/>
+                </a:cubicBezTo>
+                <a:cubicBezTo>
+                  <a:pt x="3643271" y="1015218"/>
+                  <a:pt x="3568243" y="848750"/>
+                  <a:pt x="3453357" y="886264"/>
+                </a:cubicBezTo>
+                <a:cubicBezTo>
+                  <a:pt x="3338471" y="923778"/>
+                  <a:pt x="3249375" y="1184030"/>
+                  <a:pt x="3115732" y="1308295"/>
+                </a:cubicBezTo>
+                <a:cubicBezTo>
+                  <a:pt x="2982089" y="1432560"/>
+                  <a:pt x="2867203" y="1610751"/>
+                  <a:pt x="2651498" y="1631852"/>
+                </a:cubicBezTo>
+                <a:cubicBezTo>
+                  <a:pt x="2435793" y="1652953"/>
+                  <a:pt x="1990316" y="1559169"/>
+                  <a:pt x="1821504" y="1434904"/>
+                </a:cubicBezTo>
+                <a:cubicBezTo>
+                  <a:pt x="1652692" y="1310639"/>
+                  <a:pt x="1776956" y="933156"/>
+                  <a:pt x="1638624" y="886264"/>
+                </a:cubicBezTo>
+                <a:cubicBezTo>
+                  <a:pt x="1500292" y="839372"/>
+                  <a:pt x="1214248" y="1153550"/>
+                  <a:pt x="991510" y="1153550"/>
+                </a:cubicBezTo>
+                <a:cubicBezTo>
+                  <a:pt x="768772" y="1153550"/>
+                  <a:pt x="463972" y="1005839"/>
+                  <a:pt x="302194" y="886264"/>
+                </a:cubicBezTo>
+                <a:cubicBezTo>
+                  <a:pt x="140416" y="766689"/>
+                  <a:pt x="67732" y="558018"/>
+                  <a:pt x="20840" y="436098"/>
+                </a:cubicBezTo>
+                <a:cubicBezTo>
+                  <a:pt x="-26052" y="314178"/>
+                  <a:pt x="20840" y="154744"/>
+                  <a:pt x="20840" y="154744"/>
+                </a:cubicBezTo>
+                <a:lnTo>
+                  <a:pt x="20840" y="154744"/>
+                </a:lnTo>
+                <a:lnTo>
+                  <a:pt x="20840" y="168812"/>
+                </a:lnTo>
+              </a:path>
+            </a:pathLst>
+          </a:custGeom>
+          <a:noFill/>
+          <a:ln>
+            <a:solidFill>
+              <a:schemeClr val="tx1"/>
+            </a:solidFill>
+          </a:ln>
+        </p:spPr>
+        <p:style>
+          <a:lnRef idx="2">
+            <a:schemeClr val="accent1">
+              <a:shade val="50000"/>
+            </a:schemeClr>
+          </a:lnRef>
+          <a:fillRef idx="1">
+            <a:schemeClr val="accent1"/>
+          </a:fillRef>
+          <a:effectRef idx="0">
+            <a:schemeClr val="accent1"/>
+          </a:effectRef>
+          <a:fontRef idx="minor">
+            <a:schemeClr val="lt1"/>
+          </a:fontRef>
+        </p:style>
+        <p:txBody>
+          <a:bodyPr rtlCol="0" anchor="ctr"/>
+          <a:lstStyle/>
+          <a:p>
+            <a:pPr algn="ctr"/>
+            <a:endParaRPr lang="zh-CN" altLang="en-US"/>
+          </a:p>
+        </p:txBody>
+      </p:sp>
+    </p:spTree>
+    <p:extLst>
+      <p:ext uri="{BB962C8B-B14F-4D97-AF65-F5344CB8AC3E}">
+        <p14:creationId xmlns:p14="http://schemas.microsoft.com/office/powerpoint/2010/main" val="3284443470"/>
+      </p:ext>
+    </p:extLst>
+  </p:cSld>
+  <p:clrMapOvr>
+    <a:masterClrMapping/>
+  </p:clrMapOvr>
+  <p:timing>
+    <p:tnLst>
+      <p:par>
+        <p:cTn id="1" dur="indefinite" restart="never" nodeType="tmRoot">
+          <p:childTnLst>
+            <p:seq concurrent="1" nextAc="seek">
+              <p:cTn id="2" dur="indefinite" nodeType="mainSeq">
+                <p:childTnLst>
+                  <p:par>
+                    <p:cTn id="3" fill="hold">
+                      <p:stCondLst>
+                        <p:cond delay="indefinite"/>
+                      </p:stCondLst>
+                      <p:childTnLst>
+                        <p:par>
+                          <p:cTn id="4" fill="hold">
+                            <p:stCondLst>
+                              <p:cond delay="0"/>
+                            </p:stCondLst>
+                            <p:childTnLst>
+                              <p:par>
+                                <p:cTn id="5" presetID="1" presetClass="entr" presetSubtype="0" fill="hold" grpId="0" nodeType="clickEffect">
+                                  <p:stCondLst>
+                                    <p:cond delay="0"/>
+                                  </p:stCondLst>
+                                  <p:childTnLst>
+                                    <p:set>
+                                      <p:cBhvr>
+                                        <p:cTn id="6" dur="1" fill="hold">
+                                          <p:stCondLst>
+                                            <p:cond delay="0"/>
+                                          </p:stCondLst>
+                                        </p:cTn>
+                                        <p:tgtEl>
+                                          <p:spTgt spid="28"/>
+                                        </p:tgtEl>
+                                        <p:attrNameLst>
+                                          <p:attrName>style.visibility</p:attrName>
+                                        </p:attrNameLst>
+                                      </p:cBhvr>
+                                      <p:to>
+                                        <p:strVal val="visible"/>
+                                      </p:to>
+                                    </p:set>
+                                  </p:childTnLst>
+                                </p:cTn>
+                              </p:par>
+                              <p:par>
+                                <p:cTn id="7" presetID="1" presetClass="entr" presetSubtype="0" fill="hold" grpId="0" nodeType="withEffect">
+                                  <p:stCondLst>
+                                    <p:cond delay="0"/>
+                                  </p:stCondLst>
+                                  <p:childTnLst>
+                                    <p:set>
+                                      <p:cBhvr>
+                                        <p:cTn id="8" dur="1" fill="hold">
+                                          <p:stCondLst>
+                                            <p:cond delay="0"/>
+                                          </p:stCondLst>
+                                        </p:cTn>
+                                        <p:tgtEl>
+                                          <p:spTgt spid="27"/>
+                                        </p:tgtEl>
+                                        <p:attrNameLst>
+                                          <p:attrName>style.visibility</p:attrName>
+                                        </p:attrNameLst>
+                                      </p:cBhvr>
+                                      <p:to>
+                                        <p:strVal val="visible"/>
+                                      </p:to>
+                                    </p:set>
+                                  </p:childTnLst>
+                                </p:cTn>
+                              </p:par>
+                            </p:childTnLst>
+                          </p:cTn>
+                        </p:par>
+                      </p:childTnLst>
+                    </p:cTn>
+                  </p:par>
+                </p:childTnLst>
+              </p:cTn>
+              <p:prevCondLst>
+                <p:cond evt="onPrev" delay="0">
+                  <p:tgtEl>
+                    <p:sldTgt/>
+                  </p:tgtEl>
+                </p:cond>
+              </p:prevCondLst>
+              <p:nextCondLst>
+                <p:cond evt="onNext" delay="0">
+                  <p:tgtEl>
+                    <p:sldTgt/>
+                  </p:tgtEl>
+                </p:cond>
+              </p:nextCondLst>
+            </p:seq>
+          </p:childTnLst>
+        </p:cTn>
+      </p:par>
+    </p:tnLst>
+    <p:bldLst>
+      <p:bldP spid="27" grpId="0" animBg="1"/>
+      <p:bldP spid="28" grpId="0" animBg="1"/>
+    </p:bldLst>
+  </p:timing>
+</p:sld>
+</file>
+
+<file path=ppt/slides/slide16.xml><?xml version="1.0" encoding="utf-8"?>
+<p:sld xmlns:a="http://schemas.openxmlformats.org/drawingml/2006/main" xmlns:r="http://schemas.openxmlformats.org/officeDocument/2006/relationships" xmlns:p="http://schemas.openxmlformats.org/presentationml/2006/main">
+  <p:cSld>
+    <p:spTree>
+      <p:nvGrpSpPr>
+        <p:cNvPr id="1" name=""/>
+        <p:cNvGrpSpPr/>
+        <p:nvPr/>
+      </p:nvGrpSpPr>
+      <p:grpSpPr>
+        <a:xfrm>
+          <a:off x="0" y="0"/>
+          <a:ext cx="0" cy="0"/>
+          <a:chOff x="0" y="0"/>
+          <a:chExt cx="0" cy="0"/>
+        </a:xfrm>
+      </p:grpSpPr>
+      <p:sp>
+        <p:nvSpPr>
+          <p:cNvPr id="2" name="标题 1"/>
+          <p:cNvSpPr>
+            <a:spLocks noGrp="1"/>
+          </p:cNvSpPr>
+          <p:nvPr>
+            <p:ph type="title"/>
+          </p:nvPr>
+        </p:nvSpPr>
+        <p:spPr/>
+        <p:txBody>
+          <a:bodyPr/>
+          <a:lstStyle/>
+          <a:p>
+            <a:r>
+              <a:rPr lang="en-US" altLang="zh-CN" sz="4000" dirty="0" smtClean="0"/>
+              <a:t>How to make damage effect?</a:t>
+            </a:r>
+            <a:endParaRPr lang="zh-CN" altLang="en-US" sz="4000" dirty="0"/>
+          </a:p>
+        </p:txBody>
+      </p:sp>
+      <p:sp>
+        <p:nvSpPr>
+          <p:cNvPr id="4" name="矩形 3"/>
+          <p:cNvSpPr/>
+          <p:nvPr/>
+        </p:nvSpPr>
+        <p:spPr>
+          <a:xfrm rot="19638752">
+            <a:off x="2110154" y="1955409"/>
+            <a:ext cx="1364566" cy="1322364"/>
+          </a:xfrm>
+          <a:prstGeom prst="rect">
+            <a:avLst/>
+          </a:prstGeom>
+          <a:solidFill>
+            <a:srgbClr val="FFC000"/>
+          </a:solidFill>
+        </p:spPr>
+        <p:style>
+          <a:lnRef idx="2">
+            <a:schemeClr val="accent1">
+              <a:shade val="50000"/>
+            </a:schemeClr>
+          </a:lnRef>
+          <a:fillRef idx="1">
+            <a:schemeClr val="accent1"/>
+          </a:fillRef>
+          <a:effectRef idx="0">
+            <a:schemeClr val="accent1"/>
+          </a:effectRef>
+          <a:fontRef idx="minor">
+            <a:schemeClr val="lt1"/>
+          </a:fontRef>
+        </p:style>
+        <p:txBody>
+          <a:bodyPr rtlCol="0" anchor="ctr"/>
+          <a:lstStyle/>
+          <a:p>
+            <a:pPr algn="ctr"/>
+            <a:endParaRPr lang="zh-CN" altLang="en-US"/>
+          </a:p>
+        </p:txBody>
+      </p:sp>
+      <p:sp>
+        <p:nvSpPr>
+          <p:cNvPr id="6" name="矩形 5"/>
+          <p:cNvSpPr/>
+          <p:nvPr/>
+        </p:nvSpPr>
+        <p:spPr>
+          <a:xfrm rot="20855263">
+            <a:off x="5350881" y="745772"/>
+            <a:ext cx="1364566" cy="1322364"/>
+          </a:xfrm>
+          <a:prstGeom prst="rect">
+            <a:avLst/>
+          </a:prstGeom>
+          <a:solidFill>
+            <a:srgbClr val="FFC000"/>
+          </a:solidFill>
+        </p:spPr>
+        <p:style>
+          <a:lnRef idx="2">
+            <a:schemeClr val="accent1">
+              <a:shade val="50000"/>
+            </a:schemeClr>
+          </a:lnRef>
+          <a:fillRef idx="1">
+            <a:schemeClr val="accent1"/>
+          </a:fillRef>
+          <a:effectRef idx="0">
+            <a:schemeClr val="accent1"/>
+          </a:effectRef>
+          <a:fontRef idx="minor">
+            <a:schemeClr val="lt1"/>
+          </a:fontRef>
+        </p:style>
+        <p:txBody>
+          <a:bodyPr rtlCol="0" anchor="ctr"/>
+          <a:lstStyle/>
+          <a:p>
+            <a:pPr algn="ctr"/>
+            <a:endParaRPr lang="zh-CN" altLang="en-US"/>
+          </a:p>
+        </p:txBody>
+      </p:sp>
+      <p:sp>
+        <p:nvSpPr>
+          <p:cNvPr id="7" name="矩形 6"/>
+          <p:cNvSpPr/>
+          <p:nvPr/>
+        </p:nvSpPr>
+        <p:spPr>
+          <a:xfrm rot="1422117">
+            <a:off x="8550815" y="2000677"/>
+            <a:ext cx="1364566" cy="1322364"/>
+          </a:xfrm>
+          <a:prstGeom prst="rect">
+            <a:avLst/>
+          </a:prstGeom>
+          <a:solidFill>
+            <a:srgbClr val="FFC000">
+              <a:alpha val="21000"/>
+            </a:srgbClr>
+          </a:solidFill>
+          <a:ln>
+            <a:gradFill>
+              <a:gsLst>
+                <a:gs pos="0">
+                  <a:schemeClr val="accent1">
+                    <a:lumMod val="5000"/>
+                    <a:lumOff val="95000"/>
+                  </a:schemeClr>
+                </a:gs>
+                <a:gs pos="74000">
+                  <a:schemeClr val="accent1">
+                    <a:lumMod val="45000"/>
+                    <a:lumOff val="55000"/>
+                  </a:schemeClr>
+                </a:gs>
+                <a:gs pos="83000">
+                  <a:schemeClr val="accent1">
+                    <a:lumMod val="45000"/>
+                    <a:lumOff val="55000"/>
+                  </a:schemeClr>
+                </a:gs>
+                <a:gs pos="100000">
+                  <a:schemeClr val="accent1">
+                    <a:lumMod val="30000"/>
+                    <a:lumOff val="70000"/>
+                  </a:schemeClr>
+                </a:gs>
+              </a:gsLst>
+              <a:lin ang="5400000" scaled="1"/>
+            </a:gradFill>
+          </a:ln>
+        </p:spPr>
+        <p:style>
+          <a:lnRef idx="2">
+            <a:schemeClr val="accent1">
+              <a:shade val="50000"/>
+            </a:schemeClr>
+          </a:lnRef>
+          <a:fillRef idx="1">
+            <a:schemeClr val="accent1"/>
+          </a:fillRef>
+          <a:effectRef idx="0">
+            <a:schemeClr val="accent1"/>
+          </a:effectRef>
+          <a:fontRef idx="minor">
+            <a:schemeClr val="lt1"/>
+          </a:fontRef>
+        </p:style>
+        <p:txBody>
+          <a:bodyPr rtlCol="0" anchor="ctr"/>
+          <a:lstStyle/>
+          <a:p>
+            <a:pPr algn="ctr"/>
+            <a:endParaRPr lang="zh-CN" altLang="en-US"/>
+          </a:p>
+        </p:txBody>
+      </p:sp>
+      <p:sp>
+        <p:nvSpPr>
+          <p:cNvPr id="9" name="右箭头 8"/>
+          <p:cNvSpPr/>
+          <p:nvPr/>
+        </p:nvSpPr>
+        <p:spPr>
+          <a:xfrm rot="20065802">
+            <a:off x="3898366" y="1678541"/>
+            <a:ext cx="759655" cy="375231"/>
+          </a:xfrm>
+          <a:prstGeom prst="rightArrow">
+            <a:avLst/>
+          </a:prstGeom>
+        </p:spPr>
+        <p:style>
+          <a:lnRef idx="2">
+            <a:schemeClr val="accent1">
+              <a:shade val="50000"/>
+            </a:schemeClr>
+          </a:lnRef>
+          <a:fillRef idx="1">
+            <a:schemeClr val="accent1"/>
+          </a:fillRef>
+          <a:effectRef idx="0">
+            <a:schemeClr val="accent1"/>
+          </a:effectRef>
+          <a:fontRef idx="minor">
+            <a:schemeClr val="lt1"/>
+          </a:fontRef>
+        </p:style>
+        <p:txBody>
+          <a:bodyPr rtlCol="0" anchor="ctr"/>
+          <a:lstStyle/>
+          <a:p>
+            <a:pPr algn="ctr"/>
+            <a:endParaRPr lang="zh-CN" altLang="en-US"/>
+          </a:p>
+        </p:txBody>
+      </p:sp>
+      <p:sp>
+        <p:nvSpPr>
+          <p:cNvPr id="10" name="右箭头 9"/>
+          <p:cNvSpPr/>
+          <p:nvPr/>
+        </p:nvSpPr>
+        <p:spPr>
+          <a:xfrm rot="1346713">
+            <a:off x="7409224" y="1504033"/>
+            <a:ext cx="759655" cy="375231"/>
+          </a:xfrm>
+          <a:prstGeom prst="rightArrow">
+            <a:avLst/>
+          </a:prstGeom>
+        </p:spPr>
+        <p:style>
+          <a:lnRef idx="2">
+            <a:schemeClr val="accent1">
+              <a:shade val="50000"/>
+            </a:schemeClr>
+          </a:lnRef>
+          <a:fillRef idx="1">
+            <a:schemeClr val="accent1"/>
+          </a:fillRef>
+          <a:effectRef idx="0">
+            <a:schemeClr val="accent1"/>
+          </a:effectRef>
+          <a:fontRef idx="minor">
+            <a:schemeClr val="lt1"/>
+          </a:fontRef>
+        </p:style>
+        <p:txBody>
+          <a:bodyPr rtlCol="0" anchor="ctr"/>
+          <a:lstStyle/>
+          <a:p>
+            <a:pPr algn="ctr"/>
+            <a:endParaRPr lang="zh-CN" altLang="en-US"/>
+          </a:p>
+        </p:txBody>
+      </p:sp>
+      <p:cxnSp>
+        <p:nvCxnSpPr>
+          <p:cNvPr id="12" name="直接连接符 11"/>
+          <p:cNvCxnSpPr/>
+          <p:nvPr/>
+        </p:nvCxnSpPr>
+        <p:spPr>
+          <a:xfrm>
+            <a:off x="10170053" y="487964"/>
+            <a:ext cx="14067" cy="3985562"/>
+          </a:xfrm>
+          <a:prstGeom prst="line">
+            <a:avLst/>
+          </a:prstGeom>
+          <a:ln w="101600">
+            <a:solidFill>
+              <a:schemeClr val="tx1"/>
+            </a:solidFill>
+          </a:ln>
+        </p:spPr>
+        <p:style>
+          <a:lnRef idx="1">
+            <a:schemeClr val="accent1"/>
+          </a:lnRef>
+          <a:fillRef idx="0">
+            <a:schemeClr val="accent1"/>
+          </a:fillRef>
+          <a:effectRef idx="0">
+            <a:schemeClr val="accent1"/>
+          </a:effectRef>
+          <a:fontRef idx="minor">
+            <a:schemeClr val="tx1"/>
+          </a:fontRef>
+        </p:style>
+      </p:cxnSp>
+      <p:sp>
+        <p:nvSpPr>
+          <p:cNvPr id="13" name="椭圆 12"/>
+          <p:cNvSpPr/>
+          <p:nvPr/>
+        </p:nvSpPr>
+        <p:spPr>
+          <a:xfrm>
+            <a:off x="8799934" y="1897528"/>
+            <a:ext cx="225083" cy="225083"/>
+          </a:xfrm>
+          <a:prstGeom prst="ellipse">
+            <a:avLst/>
+          </a:prstGeom>
+          <a:solidFill>
+            <a:srgbClr val="FFC000"/>
+          </a:solidFill>
+          <a:effectLst>
+            <a:softEdge rad="38100"/>
+          </a:effectLst>
+        </p:spPr>
+        <p:style>
+          <a:lnRef idx="2">
+            <a:schemeClr val="accent1">
+              <a:shade val="50000"/>
+            </a:schemeClr>
+          </a:lnRef>
+          <a:fillRef idx="1">
+            <a:schemeClr val="accent1"/>
+          </a:fillRef>
+          <a:effectRef idx="0">
+            <a:schemeClr val="accent1"/>
+          </a:effectRef>
+          <a:fontRef idx="minor">
+            <a:schemeClr val="lt1"/>
+          </a:fontRef>
+        </p:style>
+        <p:txBody>
+          <a:bodyPr rtlCol="0" anchor="ctr"/>
+          <a:lstStyle/>
+          <a:p>
+            <a:pPr algn="ctr"/>
+            <a:endParaRPr lang="zh-CN" altLang="en-US"/>
+          </a:p>
+        </p:txBody>
+      </p:sp>
+      <p:sp>
+        <p:nvSpPr>
+          <p:cNvPr id="14" name="椭圆 13"/>
+          <p:cNvSpPr/>
+          <p:nvPr/>
+        </p:nvSpPr>
+        <p:spPr>
+          <a:xfrm>
+            <a:off x="8952334" y="2049928"/>
+            <a:ext cx="225083" cy="225083"/>
+          </a:xfrm>
+          <a:prstGeom prst="ellipse">
+            <a:avLst/>
+          </a:prstGeom>
+          <a:solidFill>
+            <a:srgbClr val="FFC000"/>
+          </a:solidFill>
+          <a:effectLst>
+            <a:softEdge rad="38100"/>
+          </a:effectLst>
+        </p:spPr>
+        <p:style>
+          <a:lnRef idx="2">
+            <a:schemeClr val="accent1">
+              <a:shade val="50000"/>
+            </a:schemeClr>
+          </a:lnRef>
+          <a:fillRef idx="1">
+            <a:schemeClr val="accent1"/>
+          </a:fillRef>
+          <a:effectRef idx="0">
+            <a:schemeClr val="accent1"/>
+          </a:effectRef>
+          <a:fontRef idx="minor">
+            <a:schemeClr val="lt1"/>
+          </a:fontRef>
+        </p:style>
+        <p:txBody>
+          <a:bodyPr rtlCol="0" anchor="ctr"/>
+          <a:lstStyle/>
+          <a:p>
+            <a:pPr algn="ctr"/>
+            <a:endParaRPr lang="zh-CN" altLang="en-US"/>
+          </a:p>
+        </p:txBody>
+      </p:sp>
+      <p:sp>
+        <p:nvSpPr>
+          <p:cNvPr id="15" name="椭圆 14"/>
+          <p:cNvSpPr/>
+          <p:nvPr/>
+        </p:nvSpPr>
+        <p:spPr>
+          <a:xfrm>
+            <a:off x="9104734" y="2202328"/>
+            <a:ext cx="225083" cy="225083"/>
+          </a:xfrm>
+          <a:prstGeom prst="ellipse">
+            <a:avLst/>
+          </a:prstGeom>
+          <a:solidFill>
+            <a:srgbClr val="FFC000"/>
+          </a:solidFill>
+          <a:effectLst>
+            <a:softEdge rad="38100"/>
+          </a:effectLst>
+        </p:spPr>
+        <p:style>
+          <a:lnRef idx="2">
+            <a:schemeClr val="accent1">
+              <a:shade val="50000"/>
+            </a:schemeClr>
+          </a:lnRef>
+          <a:fillRef idx="1">
+            <a:schemeClr val="accent1"/>
+          </a:fillRef>
+          <a:effectRef idx="0">
+            <a:schemeClr val="accent1"/>
+          </a:effectRef>
+          <a:fontRef idx="minor">
+            <a:schemeClr val="lt1"/>
+          </a:fontRef>
+        </p:style>
+        <p:txBody>
+          <a:bodyPr rtlCol="0" anchor="ctr"/>
+          <a:lstStyle/>
+          <a:p>
+            <a:pPr algn="ctr"/>
+            <a:endParaRPr lang="zh-CN" altLang="en-US"/>
+          </a:p>
+        </p:txBody>
+      </p:sp>
+      <p:sp>
+        <p:nvSpPr>
+          <p:cNvPr id="16" name="椭圆 15"/>
+          <p:cNvSpPr/>
+          <p:nvPr/>
+        </p:nvSpPr>
+        <p:spPr>
+          <a:xfrm>
+            <a:off x="9257134" y="2354728"/>
+            <a:ext cx="225083" cy="225083"/>
+          </a:xfrm>
+          <a:prstGeom prst="ellipse">
+            <a:avLst/>
+          </a:prstGeom>
+          <a:solidFill>
+            <a:srgbClr val="FFC000"/>
+          </a:solidFill>
+          <a:effectLst>
+            <a:softEdge rad="38100"/>
+          </a:effectLst>
+        </p:spPr>
+        <p:style>
+          <a:lnRef idx="2">
+            <a:schemeClr val="accent1">
+              <a:shade val="50000"/>
+            </a:schemeClr>
+          </a:lnRef>
+          <a:fillRef idx="1">
+            <a:schemeClr val="accent1"/>
+          </a:fillRef>
+          <a:effectRef idx="0">
+            <a:schemeClr val="accent1"/>
+          </a:effectRef>
+          <a:fontRef idx="minor">
+            <a:schemeClr val="lt1"/>
+          </a:fontRef>
+        </p:style>
+        <p:txBody>
+          <a:bodyPr rtlCol="0" anchor="ctr"/>
+          <a:lstStyle/>
+          <a:p>
+            <a:pPr algn="ctr"/>
+            <a:endParaRPr lang="zh-CN" altLang="en-US"/>
+          </a:p>
+        </p:txBody>
+      </p:sp>
+      <p:sp>
+        <p:nvSpPr>
+          <p:cNvPr id="17" name="椭圆 16"/>
+          <p:cNvSpPr/>
+          <p:nvPr/>
+        </p:nvSpPr>
+        <p:spPr>
+          <a:xfrm>
+            <a:off x="9409534" y="2507128"/>
+            <a:ext cx="225083" cy="225083"/>
+          </a:xfrm>
+          <a:prstGeom prst="ellipse">
+            <a:avLst/>
+          </a:prstGeom>
+          <a:solidFill>
+            <a:srgbClr val="FFC000"/>
+          </a:solidFill>
+          <a:effectLst>
+            <a:softEdge rad="38100"/>
+          </a:effectLst>
+        </p:spPr>
+        <p:style>
+          <a:lnRef idx="2">
+            <a:schemeClr val="accent1">
+              <a:shade val="50000"/>
+            </a:schemeClr>
+          </a:lnRef>
+          <a:fillRef idx="1">
+            <a:schemeClr val="accent1"/>
+          </a:fillRef>
+          <a:effectRef idx="0">
+            <a:schemeClr val="accent1"/>
+          </a:effectRef>
+          <a:fontRef idx="minor">
+            <a:schemeClr val="lt1"/>
+          </a:fontRef>
+        </p:style>
+        <p:txBody>
+          <a:bodyPr rtlCol="0" anchor="ctr"/>
+          <a:lstStyle/>
+          <a:p>
+            <a:pPr algn="ctr"/>
+            <a:endParaRPr lang="zh-CN" altLang="en-US"/>
+          </a:p>
+        </p:txBody>
+      </p:sp>
+      <p:sp>
+        <p:nvSpPr>
+          <p:cNvPr id="18" name="椭圆 17"/>
+          <p:cNvSpPr/>
+          <p:nvPr/>
+        </p:nvSpPr>
+        <p:spPr>
+          <a:xfrm>
+            <a:off x="9561934" y="2659528"/>
+            <a:ext cx="225083" cy="225083"/>
+          </a:xfrm>
+          <a:prstGeom prst="ellipse">
+            <a:avLst/>
+          </a:prstGeom>
+          <a:solidFill>
+            <a:srgbClr val="FFC000"/>
+          </a:solidFill>
+          <a:effectLst>
+            <a:softEdge rad="38100"/>
+          </a:effectLst>
+        </p:spPr>
+        <p:style>
+          <a:lnRef idx="2">
+            <a:schemeClr val="accent1">
+              <a:shade val="50000"/>
+            </a:schemeClr>
+          </a:lnRef>
+          <a:fillRef idx="1">
+            <a:schemeClr val="accent1"/>
+          </a:fillRef>
+          <a:effectRef idx="0">
+            <a:schemeClr val="accent1"/>
+          </a:effectRef>
+          <a:fontRef idx="minor">
+            <a:schemeClr val="lt1"/>
+          </a:fontRef>
+        </p:style>
+        <p:txBody>
+          <a:bodyPr rtlCol="0" anchor="ctr"/>
+          <a:lstStyle/>
+          <a:p>
+            <a:pPr algn="ctr"/>
+            <a:endParaRPr lang="zh-CN" altLang="en-US"/>
+          </a:p>
+        </p:txBody>
+      </p:sp>
+      <p:sp>
+        <p:nvSpPr>
+          <p:cNvPr id="19" name="椭圆 18"/>
+          <p:cNvSpPr/>
+          <p:nvPr/>
+        </p:nvSpPr>
+        <p:spPr>
+          <a:xfrm>
+            <a:off x="9428882" y="2166005"/>
+            <a:ext cx="225083" cy="225083"/>
+          </a:xfrm>
+          <a:prstGeom prst="ellipse">
+            <a:avLst/>
+          </a:prstGeom>
+          <a:solidFill>
+            <a:srgbClr val="FFC000"/>
+          </a:solidFill>
+          <a:effectLst>
+            <a:softEdge rad="38100"/>
+          </a:effectLst>
+        </p:spPr>
+        <p:style>
+          <a:lnRef idx="2">
+            <a:schemeClr val="accent1">
+              <a:shade val="50000"/>
+            </a:schemeClr>
+          </a:lnRef>
+          <a:fillRef idx="1">
+            <a:schemeClr val="accent1"/>
+          </a:fillRef>
+          <a:effectRef idx="0">
+            <a:schemeClr val="accent1"/>
+          </a:effectRef>
+          <a:fontRef idx="minor">
+            <a:schemeClr val="lt1"/>
+          </a:fontRef>
+        </p:style>
+        <p:txBody>
+          <a:bodyPr rtlCol="0" anchor="ctr"/>
+          <a:lstStyle/>
+          <a:p>
+            <a:pPr algn="ctr"/>
+            <a:endParaRPr lang="zh-CN" altLang="en-US"/>
+          </a:p>
+        </p:txBody>
+      </p:sp>
+      <p:sp>
+        <p:nvSpPr>
+          <p:cNvPr id="20" name="椭圆 19"/>
+          <p:cNvSpPr/>
+          <p:nvPr/>
+        </p:nvSpPr>
+        <p:spPr>
+          <a:xfrm>
+            <a:off x="9233098" y="2023685"/>
+            <a:ext cx="225083" cy="225083"/>
+          </a:xfrm>
+          <a:prstGeom prst="ellipse">
+            <a:avLst/>
+          </a:prstGeom>
+          <a:solidFill>
+            <a:srgbClr val="FFC000"/>
+          </a:solidFill>
+          <a:effectLst>
+            <a:softEdge rad="38100"/>
+          </a:effectLst>
+        </p:spPr>
+        <p:style>
+          <a:lnRef idx="2">
+            <a:schemeClr val="accent1">
+              <a:shade val="50000"/>
+            </a:schemeClr>
+          </a:lnRef>
+          <a:fillRef idx="1">
+            <a:schemeClr val="accent1"/>
+          </a:fillRef>
+          <a:effectRef idx="0">
+            <a:schemeClr val="accent1"/>
+          </a:effectRef>
+          <a:fontRef idx="minor">
+            <a:schemeClr val="lt1"/>
+          </a:fontRef>
+        </p:style>
+        <p:txBody>
+          <a:bodyPr rtlCol="0" anchor="ctr"/>
+          <a:lstStyle/>
+          <a:p>
+            <a:pPr algn="ctr"/>
+            <a:endParaRPr lang="zh-CN" altLang="en-US"/>
+          </a:p>
+        </p:txBody>
+      </p:sp>
+      <p:sp>
+        <p:nvSpPr>
+          <p:cNvPr id="21" name="椭圆 20"/>
+          <p:cNvSpPr/>
+          <p:nvPr/>
+        </p:nvSpPr>
+        <p:spPr>
+          <a:xfrm>
+            <a:off x="9613207" y="2363687"/>
+            <a:ext cx="225083" cy="225083"/>
+          </a:xfrm>
+          <a:prstGeom prst="ellipse">
+            <a:avLst/>
+          </a:prstGeom>
+          <a:solidFill>
+            <a:srgbClr val="FFC000"/>
+          </a:solidFill>
+          <a:effectLst>
+            <a:softEdge rad="38100"/>
+          </a:effectLst>
+        </p:spPr>
+        <p:style>
+          <a:lnRef idx="2">
+            <a:schemeClr val="accent1">
+              <a:shade val="50000"/>
+            </a:schemeClr>
+          </a:lnRef>
+          <a:fillRef idx="1">
+            <a:schemeClr val="accent1"/>
+          </a:fillRef>
+          <a:effectRef idx="0">
+            <a:schemeClr val="accent1"/>
+          </a:effectRef>
+          <a:fontRef idx="minor">
+            <a:schemeClr val="lt1"/>
+          </a:fontRef>
+        </p:style>
+        <p:txBody>
+          <a:bodyPr rtlCol="0" anchor="ctr"/>
+          <a:lstStyle/>
+          <a:p>
+            <a:pPr algn="ctr"/>
+            <a:endParaRPr lang="zh-CN" altLang="en-US"/>
+          </a:p>
+        </p:txBody>
+      </p:sp>
+      <p:sp>
+        <p:nvSpPr>
+          <p:cNvPr id="22" name="椭圆 21"/>
+          <p:cNvSpPr/>
+          <p:nvPr/>
+        </p:nvSpPr>
+        <p:spPr>
+          <a:xfrm>
+            <a:off x="9830401" y="2336286"/>
+            <a:ext cx="225083" cy="225083"/>
+          </a:xfrm>
+          <a:prstGeom prst="ellipse">
+            <a:avLst/>
+          </a:prstGeom>
+          <a:solidFill>
+            <a:srgbClr val="FFC000"/>
+          </a:solidFill>
+          <a:effectLst>
+            <a:softEdge rad="38100"/>
+          </a:effectLst>
+        </p:spPr>
+        <p:style>
+          <a:lnRef idx="2">
+            <a:schemeClr val="accent1">
+              <a:shade val="50000"/>
+            </a:schemeClr>
+          </a:lnRef>
+          <a:fillRef idx="1">
+            <a:schemeClr val="accent1"/>
+          </a:fillRef>
+          <a:effectRef idx="0">
+            <a:schemeClr val="accent1"/>
+          </a:effectRef>
+          <a:fontRef idx="minor">
+            <a:schemeClr val="lt1"/>
+          </a:fontRef>
+        </p:style>
+        <p:txBody>
+          <a:bodyPr rtlCol="0" anchor="ctr"/>
+          <a:lstStyle/>
+          <a:p>
+            <a:pPr algn="ctr"/>
+            <a:endParaRPr lang="zh-CN" altLang="en-US"/>
+          </a:p>
+        </p:txBody>
+      </p:sp>
+      <p:sp>
+        <p:nvSpPr>
+          <p:cNvPr id="23" name="椭圆 22"/>
+          <p:cNvSpPr/>
+          <p:nvPr/>
+        </p:nvSpPr>
+        <p:spPr>
+          <a:xfrm>
+            <a:off x="9493369" y="2880889"/>
+            <a:ext cx="225083" cy="225083"/>
+          </a:xfrm>
+          <a:prstGeom prst="ellipse">
+            <a:avLst/>
+          </a:prstGeom>
+          <a:solidFill>
+            <a:srgbClr val="FFC000"/>
+          </a:solidFill>
+          <a:effectLst>
+            <a:softEdge rad="38100"/>
+          </a:effectLst>
+        </p:spPr>
+        <p:style>
+          <a:lnRef idx="2">
+            <a:schemeClr val="accent1">
+              <a:shade val="50000"/>
+            </a:schemeClr>
+          </a:lnRef>
+          <a:fillRef idx="1">
+            <a:schemeClr val="accent1"/>
+          </a:fillRef>
+          <a:effectRef idx="0">
+            <a:schemeClr val="accent1"/>
+          </a:effectRef>
+          <a:fontRef idx="minor">
+            <a:schemeClr val="lt1"/>
+          </a:fontRef>
+        </p:style>
+        <p:txBody>
+          <a:bodyPr rtlCol="0" anchor="ctr"/>
+          <a:lstStyle/>
+          <a:p>
+            <a:pPr algn="ctr"/>
+            <a:endParaRPr lang="zh-CN" altLang="en-US"/>
+          </a:p>
+        </p:txBody>
+      </p:sp>
+      <p:sp>
+        <p:nvSpPr>
+          <p:cNvPr id="24" name="椭圆 23"/>
+          <p:cNvSpPr/>
+          <p:nvPr/>
+        </p:nvSpPr>
+        <p:spPr>
+          <a:xfrm>
+            <a:off x="9311307" y="2727250"/>
+            <a:ext cx="225083" cy="225083"/>
+          </a:xfrm>
+          <a:prstGeom prst="ellipse">
+            <a:avLst/>
+          </a:prstGeom>
+          <a:solidFill>
+            <a:srgbClr val="FFC000"/>
+          </a:solidFill>
+          <a:effectLst>
+            <a:softEdge rad="38100"/>
+          </a:effectLst>
+        </p:spPr>
+        <p:style>
+          <a:lnRef idx="2">
+            <a:schemeClr val="accent1">
+              <a:shade val="50000"/>
+            </a:schemeClr>
+          </a:lnRef>
+          <a:fillRef idx="1">
+            <a:schemeClr val="accent1"/>
+          </a:fillRef>
+          <a:effectRef idx="0">
+            <a:schemeClr val="accent1"/>
+          </a:effectRef>
+          <a:fontRef idx="minor">
+            <a:schemeClr val="lt1"/>
+          </a:fontRef>
+        </p:style>
+        <p:txBody>
+          <a:bodyPr rtlCol="0" anchor="ctr"/>
+          <a:lstStyle/>
+          <a:p>
+            <a:pPr algn="ctr"/>
+            <a:endParaRPr lang="zh-CN" altLang="en-US"/>
+          </a:p>
+        </p:txBody>
+      </p:sp>
+      <p:sp>
+        <p:nvSpPr>
+          <p:cNvPr id="25" name="椭圆 24"/>
+          <p:cNvSpPr/>
+          <p:nvPr/>
+        </p:nvSpPr>
+        <p:spPr>
+          <a:xfrm>
+            <a:off x="8687392" y="2179202"/>
+            <a:ext cx="225083" cy="225083"/>
+          </a:xfrm>
+          <a:prstGeom prst="ellipse">
+            <a:avLst/>
+          </a:prstGeom>
+          <a:solidFill>
+            <a:srgbClr val="FFC000"/>
+          </a:solidFill>
+          <a:effectLst>
+            <a:softEdge rad="38100"/>
+          </a:effectLst>
+        </p:spPr>
+        <p:style>
+          <a:lnRef idx="2">
+            <a:schemeClr val="accent1">
+              <a:shade val="50000"/>
+            </a:schemeClr>
+          </a:lnRef>
+          <a:fillRef idx="1">
+            <a:schemeClr val="accent1"/>
+          </a:fillRef>
+          <a:effectRef idx="0">
+            <a:schemeClr val="accent1"/>
+          </a:effectRef>
+          <a:fontRef idx="minor">
+            <a:schemeClr val="lt1"/>
+          </a:fontRef>
+        </p:style>
+        <p:txBody>
+          <a:bodyPr rtlCol="0" anchor="ctr"/>
+          <a:lstStyle/>
+          <a:p>
+            <a:pPr algn="ctr"/>
+            <a:endParaRPr lang="zh-CN" altLang="en-US"/>
+          </a:p>
+        </p:txBody>
+      </p:sp>
+      <p:sp>
+        <p:nvSpPr>
+          <p:cNvPr id="26" name="椭圆 25"/>
+          <p:cNvSpPr/>
+          <p:nvPr/>
+        </p:nvSpPr>
+        <p:spPr>
+          <a:xfrm>
+            <a:off x="8839792" y="2331602"/>
+            <a:ext cx="225083" cy="225083"/>
+          </a:xfrm>
+          <a:prstGeom prst="ellipse">
+            <a:avLst/>
+          </a:prstGeom>
+          <a:solidFill>
+            <a:srgbClr val="FFC000"/>
+          </a:solidFill>
+          <a:effectLst>
+            <a:softEdge rad="38100"/>
+          </a:effectLst>
+        </p:spPr>
+        <p:style>
+          <a:lnRef idx="2">
+            <a:schemeClr val="accent1">
+              <a:shade val="50000"/>
+            </a:schemeClr>
+          </a:lnRef>
+          <a:fillRef idx="1">
+            <a:schemeClr val="accent1"/>
+          </a:fillRef>
+          <a:effectRef idx="0">
+            <a:schemeClr val="accent1"/>
+          </a:effectRef>
+          <a:fontRef idx="minor">
+            <a:schemeClr val="lt1"/>
+          </a:fontRef>
+        </p:style>
+        <p:txBody>
+          <a:bodyPr rtlCol="0" anchor="ctr"/>
+          <a:lstStyle/>
+          <a:p>
+            <a:pPr algn="ctr"/>
+            <a:endParaRPr lang="zh-CN" altLang="en-US"/>
+          </a:p>
+        </p:txBody>
+      </p:sp>
+      <p:sp>
+        <p:nvSpPr>
+          <p:cNvPr id="27" name="椭圆 26"/>
+          <p:cNvSpPr/>
+          <p:nvPr/>
+        </p:nvSpPr>
+        <p:spPr>
+          <a:xfrm>
+            <a:off x="8992192" y="2484002"/>
+            <a:ext cx="225083" cy="225083"/>
+          </a:xfrm>
+          <a:prstGeom prst="ellipse">
+            <a:avLst/>
+          </a:prstGeom>
+          <a:solidFill>
+            <a:srgbClr val="FFC000"/>
+          </a:solidFill>
+          <a:effectLst>
+            <a:softEdge rad="38100"/>
+          </a:effectLst>
+        </p:spPr>
+        <p:style>
+          <a:lnRef idx="2">
+            <a:schemeClr val="accent1">
+              <a:shade val="50000"/>
+            </a:schemeClr>
+          </a:lnRef>
+          <a:fillRef idx="1">
+            <a:schemeClr val="accent1"/>
+          </a:fillRef>
+          <a:effectRef idx="0">
+            <a:schemeClr val="accent1"/>
+          </a:effectRef>
+          <a:fontRef idx="minor">
+            <a:schemeClr val="lt1"/>
+          </a:fontRef>
+        </p:style>
+        <p:txBody>
+          <a:bodyPr rtlCol="0" anchor="ctr"/>
+          <a:lstStyle/>
+          <a:p>
+            <a:pPr algn="ctr"/>
+            <a:endParaRPr lang="zh-CN" altLang="en-US"/>
+          </a:p>
+        </p:txBody>
+      </p:sp>
+      <p:sp>
+        <p:nvSpPr>
+          <p:cNvPr id="28" name="椭圆 27"/>
+          <p:cNvSpPr/>
+          <p:nvPr/>
+        </p:nvSpPr>
+        <p:spPr>
+          <a:xfrm>
+            <a:off x="9144592" y="2636402"/>
+            <a:ext cx="225083" cy="225083"/>
+          </a:xfrm>
+          <a:prstGeom prst="ellipse">
+            <a:avLst/>
+          </a:prstGeom>
+          <a:solidFill>
+            <a:srgbClr val="FFC000"/>
+          </a:solidFill>
+          <a:effectLst>
+            <a:softEdge rad="38100"/>
+          </a:effectLst>
+        </p:spPr>
+        <p:style>
+          <a:lnRef idx="2">
+            <a:schemeClr val="accent1">
+              <a:shade val="50000"/>
+            </a:schemeClr>
+          </a:lnRef>
+          <a:fillRef idx="1">
+            <a:schemeClr val="accent1"/>
+          </a:fillRef>
+          <a:effectRef idx="0">
+            <a:schemeClr val="accent1"/>
+          </a:effectRef>
+          <a:fontRef idx="minor">
+            <a:schemeClr val="lt1"/>
+          </a:fontRef>
+        </p:style>
+        <p:txBody>
+          <a:bodyPr rtlCol="0" anchor="ctr"/>
+          <a:lstStyle/>
+          <a:p>
+            <a:pPr algn="ctr"/>
+            <a:endParaRPr lang="zh-CN" altLang="en-US"/>
+          </a:p>
+        </p:txBody>
+      </p:sp>
+      <p:sp>
+        <p:nvSpPr>
+          <p:cNvPr id="29" name="椭圆 28"/>
+          <p:cNvSpPr/>
+          <p:nvPr/>
+        </p:nvSpPr>
+        <p:spPr>
+          <a:xfrm>
+            <a:off x="8563436" y="2507128"/>
+            <a:ext cx="225083" cy="225083"/>
+          </a:xfrm>
+          <a:prstGeom prst="ellipse">
+            <a:avLst/>
+          </a:prstGeom>
+          <a:solidFill>
+            <a:srgbClr val="FFC000"/>
+          </a:solidFill>
+          <a:effectLst>
+            <a:softEdge rad="38100"/>
+          </a:effectLst>
+        </p:spPr>
+        <p:style>
+          <a:lnRef idx="2">
+            <a:schemeClr val="accent1">
+              <a:shade val="50000"/>
+            </a:schemeClr>
+          </a:lnRef>
+          <a:fillRef idx="1">
+            <a:schemeClr val="accent1"/>
+          </a:fillRef>
+          <a:effectRef idx="0">
+            <a:schemeClr val="accent1"/>
+          </a:effectRef>
+          <a:fontRef idx="minor">
+            <a:schemeClr val="lt1"/>
+          </a:fontRef>
+        </p:style>
+        <p:txBody>
+          <a:bodyPr rtlCol="0" anchor="ctr"/>
+          <a:lstStyle/>
+          <a:p>
+            <a:pPr algn="ctr"/>
+            <a:endParaRPr lang="zh-CN" altLang="en-US"/>
+          </a:p>
+        </p:txBody>
+      </p:sp>
+      <p:sp>
+        <p:nvSpPr>
+          <p:cNvPr id="30" name="椭圆 29"/>
+          <p:cNvSpPr/>
+          <p:nvPr/>
+        </p:nvSpPr>
+        <p:spPr>
+          <a:xfrm>
+            <a:off x="8747878" y="2619669"/>
+            <a:ext cx="225083" cy="225083"/>
+          </a:xfrm>
+          <a:prstGeom prst="ellipse">
+            <a:avLst/>
+          </a:prstGeom>
+          <a:solidFill>
+            <a:srgbClr val="FFC000"/>
+          </a:solidFill>
+          <a:effectLst>
+            <a:softEdge rad="38100"/>
+          </a:effectLst>
+        </p:spPr>
+        <p:style>
+          <a:lnRef idx="2">
+            <a:schemeClr val="accent1">
+              <a:shade val="50000"/>
+            </a:schemeClr>
+          </a:lnRef>
+          <a:fillRef idx="1">
+            <a:schemeClr val="accent1"/>
+          </a:fillRef>
+          <a:effectRef idx="0">
+            <a:schemeClr val="accent1"/>
+          </a:effectRef>
+          <a:fontRef idx="minor">
+            <a:schemeClr val="lt1"/>
+          </a:fontRef>
+        </p:style>
+        <p:txBody>
+          <a:bodyPr rtlCol="0" anchor="ctr"/>
+          <a:lstStyle/>
+          <a:p>
+            <a:pPr algn="ctr"/>
+            <a:endParaRPr lang="zh-CN" altLang="en-US"/>
+          </a:p>
+        </p:txBody>
+      </p:sp>
+      <p:sp>
+        <p:nvSpPr>
+          <p:cNvPr id="31" name="椭圆 30"/>
+          <p:cNvSpPr/>
+          <p:nvPr/>
+        </p:nvSpPr>
+        <p:spPr>
+          <a:xfrm>
+            <a:off x="8900278" y="2772069"/>
+            <a:ext cx="225083" cy="225083"/>
+          </a:xfrm>
+          <a:prstGeom prst="ellipse">
+            <a:avLst/>
+          </a:prstGeom>
+          <a:solidFill>
+            <a:srgbClr val="FFC000"/>
+          </a:solidFill>
+          <a:effectLst>
+            <a:softEdge rad="38100"/>
+          </a:effectLst>
+        </p:spPr>
+        <p:style>
+          <a:lnRef idx="2">
+            <a:schemeClr val="accent1">
+              <a:shade val="50000"/>
+            </a:schemeClr>
+          </a:lnRef>
+          <a:fillRef idx="1">
+            <a:schemeClr val="accent1"/>
+          </a:fillRef>
+          <a:effectRef idx="0">
+            <a:schemeClr val="accent1"/>
+          </a:effectRef>
+          <a:fontRef idx="minor">
+            <a:schemeClr val="lt1"/>
+          </a:fontRef>
+        </p:style>
+        <p:txBody>
+          <a:bodyPr rtlCol="0" anchor="ctr"/>
+          <a:lstStyle/>
+          <a:p>
+            <a:pPr algn="ctr"/>
+            <a:endParaRPr lang="zh-CN" altLang="en-US"/>
+          </a:p>
+        </p:txBody>
+      </p:sp>
+      <p:sp>
+        <p:nvSpPr>
+          <p:cNvPr id="32" name="椭圆 31"/>
+          <p:cNvSpPr/>
+          <p:nvPr/>
+        </p:nvSpPr>
+        <p:spPr>
+          <a:xfrm>
+            <a:off x="9052678" y="2924469"/>
+            <a:ext cx="225083" cy="225083"/>
+          </a:xfrm>
+          <a:prstGeom prst="ellipse">
+            <a:avLst/>
+          </a:prstGeom>
+          <a:solidFill>
+            <a:srgbClr val="FFC000"/>
+          </a:solidFill>
+          <a:effectLst>
+            <a:softEdge rad="38100"/>
+          </a:effectLst>
+        </p:spPr>
+        <p:style>
+          <a:lnRef idx="2">
+            <a:schemeClr val="accent1">
+              <a:shade val="50000"/>
+            </a:schemeClr>
+          </a:lnRef>
+          <a:fillRef idx="1">
+            <a:schemeClr val="accent1"/>
+          </a:fillRef>
+          <a:effectRef idx="0">
+            <a:schemeClr val="accent1"/>
+          </a:effectRef>
+          <a:fontRef idx="minor">
+            <a:schemeClr val="lt1"/>
+          </a:fontRef>
+        </p:style>
+        <p:txBody>
+          <a:bodyPr rtlCol="0" anchor="ctr"/>
+          <a:lstStyle/>
+          <a:p>
+            <a:pPr algn="ctr"/>
+            <a:endParaRPr lang="zh-CN" altLang="en-US"/>
+          </a:p>
+        </p:txBody>
+      </p:sp>
+      <p:sp>
+        <p:nvSpPr>
+          <p:cNvPr id="33" name="椭圆 32"/>
+          <p:cNvSpPr/>
+          <p:nvPr/>
+        </p:nvSpPr>
+        <p:spPr>
+          <a:xfrm>
+            <a:off x="9205078" y="3076869"/>
+            <a:ext cx="225083" cy="225083"/>
+          </a:xfrm>
+          <a:prstGeom prst="ellipse">
+            <a:avLst/>
+          </a:prstGeom>
+          <a:solidFill>
+            <a:srgbClr val="FFC000"/>
+          </a:solidFill>
+          <a:effectLst>
+            <a:softEdge rad="38100"/>
+          </a:effectLst>
+        </p:spPr>
+        <p:style>
+          <a:lnRef idx="2">
+            <a:schemeClr val="accent1">
+              <a:shade val="50000"/>
+            </a:schemeClr>
+          </a:lnRef>
+          <a:fillRef idx="1">
+            <a:schemeClr val="accent1"/>
+          </a:fillRef>
+          <a:effectRef idx="0">
+            <a:schemeClr val="accent1"/>
+          </a:effectRef>
+          <a:fontRef idx="minor">
+            <a:schemeClr val="lt1"/>
+          </a:fontRef>
+        </p:style>
+        <p:txBody>
+          <a:bodyPr rtlCol="0" anchor="ctr"/>
+          <a:lstStyle/>
+          <a:p>
+            <a:pPr algn="ctr"/>
+            <a:endParaRPr lang="zh-CN" altLang="en-US"/>
+          </a:p>
+        </p:txBody>
+      </p:sp>
+      <p:sp>
+        <p:nvSpPr>
+          <p:cNvPr id="34" name="椭圆 33"/>
+          <p:cNvSpPr/>
+          <p:nvPr/>
+        </p:nvSpPr>
+        <p:spPr>
+          <a:xfrm>
+            <a:off x="9357478" y="3229269"/>
+            <a:ext cx="225083" cy="225083"/>
+          </a:xfrm>
+          <a:prstGeom prst="ellipse">
+            <a:avLst/>
+          </a:prstGeom>
+          <a:solidFill>
+            <a:srgbClr val="FFC000"/>
+          </a:solidFill>
+          <a:effectLst>
+            <a:softEdge rad="38100"/>
+          </a:effectLst>
+        </p:spPr>
+        <p:style>
+          <a:lnRef idx="2">
+            <a:schemeClr val="accent1">
+              <a:shade val="50000"/>
+            </a:schemeClr>
+          </a:lnRef>
+          <a:fillRef idx="1">
+            <a:schemeClr val="accent1"/>
+          </a:fillRef>
+          <a:effectRef idx="0">
+            <a:schemeClr val="accent1"/>
+          </a:effectRef>
+          <a:fontRef idx="minor">
+            <a:schemeClr val="lt1"/>
+          </a:fontRef>
+        </p:style>
+        <p:txBody>
+          <a:bodyPr rtlCol="0" anchor="ctr"/>
+          <a:lstStyle/>
+          <a:p>
+            <a:pPr algn="ctr"/>
+            <a:endParaRPr lang="zh-CN" altLang="en-US"/>
+          </a:p>
+        </p:txBody>
+      </p:sp>
+      <p:sp>
+        <p:nvSpPr>
+          <p:cNvPr id="35" name="椭圆 34"/>
+          <p:cNvSpPr/>
+          <p:nvPr/>
+        </p:nvSpPr>
+        <p:spPr>
+          <a:xfrm>
+            <a:off x="9469237" y="3116727"/>
+            <a:ext cx="225083" cy="225083"/>
+          </a:xfrm>
+          <a:prstGeom prst="ellipse">
+            <a:avLst/>
+          </a:prstGeom>
+          <a:solidFill>
+            <a:srgbClr val="FFC000"/>
+          </a:solidFill>
+          <a:effectLst>
+            <a:softEdge rad="38100"/>
+          </a:effectLst>
+        </p:spPr>
+        <p:style>
+          <a:lnRef idx="2">
+            <a:schemeClr val="accent1">
+              <a:shade val="50000"/>
+            </a:schemeClr>
+          </a:lnRef>
+          <a:fillRef idx="1">
+            <a:schemeClr val="accent1"/>
+          </a:fillRef>
+          <a:effectRef idx="0">
+            <a:schemeClr val="accent1"/>
+          </a:effectRef>
+          <a:fontRef idx="minor">
+            <a:schemeClr val="lt1"/>
+          </a:fontRef>
+        </p:style>
+        <p:txBody>
+          <a:bodyPr rtlCol="0" anchor="ctr"/>
+          <a:lstStyle/>
+          <a:p>
+            <a:pPr algn="ctr"/>
+            <a:endParaRPr lang="zh-CN" altLang="en-US"/>
+          </a:p>
+        </p:txBody>
+      </p:sp>
+      <p:sp>
+        <p:nvSpPr>
+          <p:cNvPr id="36" name="椭圆 35"/>
+          <p:cNvSpPr/>
+          <p:nvPr/>
+        </p:nvSpPr>
+        <p:spPr>
+          <a:xfrm>
+            <a:off x="8469681" y="2780596"/>
+            <a:ext cx="225083" cy="225083"/>
+          </a:xfrm>
+          <a:prstGeom prst="ellipse">
+            <a:avLst/>
+          </a:prstGeom>
+          <a:solidFill>
+            <a:srgbClr val="FFC000"/>
+          </a:solidFill>
+          <a:effectLst>
+            <a:softEdge rad="38100"/>
+          </a:effectLst>
+        </p:spPr>
+        <p:style>
+          <a:lnRef idx="2">
+            <a:schemeClr val="accent1">
+              <a:shade val="50000"/>
+            </a:schemeClr>
+          </a:lnRef>
+          <a:fillRef idx="1">
+            <a:schemeClr val="accent1"/>
+          </a:fillRef>
+          <a:effectRef idx="0">
+            <a:schemeClr val="accent1"/>
+          </a:effectRef>
+          <a:fontRef idx="minor">
+            <a:schemeClr val="lt1"/>
+          </a:fontRef>
+        </p:style>
+        <p:txBody>
+          <a:bodyPr rtlCol="0" anchor="ctr"/>
+          <a:lstStyle/>
+          <a:p>
+            <a:pPr algn="ctr"/>
+            <a:endParaRPr lang="zh-CN" altLang="en-US"/>
+          </a:p>
+        </p:txBody>
+      </p:sp>
+      <p:sp>
+        <p:nvSpPr>
+          <p:cNvPr id="37" name="椭圆 36"/>
+          <p:cNvSpPr/>
+          <p:nvPr/>
+        </p:nvSpPr>
+        <p:spPr>
+          <a:xfrm>
+            <a:off x="8622081" y="2932996"/>
+            <a:ext cx="225083" cy="225083"/>
+          </a:xfrm>
+          <a:prstGeom prst="ellipse">
+            <a:avLst/>
+          </a:prstGeom>
+          <a:solidFill>
+            <a:srgbClr val="FFC000"/>
+          </a:solidFill>
+          <a:effectLst>
+            <a:softEdge rad="38100"/>
+          </a:effectLst>
+        </p:spPr>
+        <p:style>
+          <a:lnRef idx="2">
+            <a:schemeClr val="accent1">
+              <a:shade val="50000"/>
+            </a:schemeClr>
+          </a:lnRef>
+          <a:fillRef idx="1">
+            <a:schemeClr val="accent1"/>
+          </a:fillRef>
+          <a:effectRef idx="0">
+            <a:schemeClr val="accent1"/>
+          </a:effectRef>
+          <a:fontRef idx="minor">
+            <a:schemeClr val="lt1"/>
+          </a:fontRef>
+        </p:style>
+        <p:txBody>
+          <a:bodyPr rtlCol="0" anchor="ctr"/>
+          <a:lstStyle/>
+          <a:p>
+            <a:pPr algn="ctr"/>
+            <a:endParaRPr lang="zh-CN" altLang="en-US"/>
+          </a:p>
+        </p:txBody>
+      </p:sp>
+      <p:sp>
+        <p:nvSpPr>
+          <p:cNvPr id="38" name="椭圆 37"/>
+          <p:cNvSpPr/>
+          <p:nvPr/>
+        </p:nvSpPr>
+        <p:spPr>
+          <a:xfrm>
+            <a:off x="8860419" y="3004401"/>
+            <a:ext cx="225083" cy="225083"/>
+          </a:xfrm>
+          <a:prstGeom prst="ellipse">
+            <a:avLst/>
+          </a:prstGeom>
+          <a:solidFill>
+            <a:srgbClr val="FFC000"/>
+          </a:solidFill>
+          <a:effectLst>
+            <a:softEdge rad="38100"/>
+          </a:effectLst>
+        </p:spPr>
+        <p:style>
+          <a:lnRef idx="2">
+            <a:schemeClr val="accent1">
+              <a:shade val="50000"/>
+            </a:schemeClr>
+          </a:lnRef>
+          <a:fillRef idx="1">
+            <a:schemeClr val="accent1"/>
+          </a:fillRef>
+          <a:effectRef idx="0">
+            <a:schemeClr val="accent1"/>
+          </a:effectRef>
+          <a:fontRef idx="minor">
+            <a:schemeClr val="lt1"/>
+          </a:fontRef>
+        </p:style>
+        <p:txBody>
+          <a:bodyPr rtlCol="0" anchor="ctr"/>
+          <a:lstStyle/>
+          <a:p>
+            <a:pPr algn="ctr"/>
+            <a:endParaRPr lang="zh-CN" altLang="en-US"/>
+          </a:p>
+        </p:txBody>
+      </p:sp>
+      <p:sp>
+        <p:nvSpPr>
+          <p:cNvPr id="39" name="下弧形箭头 38"/>
+          <p:cNvSpPr/>
+          <p:nvPr/>
+        </p:nvSpPr>
+        <p:spPr>
+          <a:xfrm rot="14038248">
+            <a:off x="9356355" y="1347247"/>
+            <a:ext cx="780502" cy="477900"/>
+          </a:xfrm>
+          <a:prstGeom prst="curvedUpArrow">
+            <a:avLst/>
+          </a:prstGeom>
+        </p:spPr>
+        <p:style>
+          <a:lnRef idx="2">
+            <a:schemeClr val="accent1">
+              <a:shade val="50000"/>
+            </a:schemeClr>
+          </a:lnRef>
+          <a:fillRef idx="1">
+            <a:schemeClr val="accent1"/>
+          </a:fillRef>
+          <a:effectRef idx="0">
+            <a:schemeClr val="accent1"/>
+          </a:effectRef>
+          <a:fontRef idx="minor">
+            <a:schemeClr val="lt1"/>
+          </a:fontRef>
+        </p:style>
+        <p:txBody>
+          <a:bodyPr rtlCol="0" anchor="ctr"/>
+          <a:lstStyle/>
+          <a:p>
+            <a:pPr algn="ctr"/>
+            <a:endParaRPr lang="zh-CN" altLang="en-US">
+              <a:solidFill>
+                <a:schemeClr val="tx1"/>
+              </a:solidFill>
+            </a:endParaRPr>
+          </a:p>
+        </p:txBody>
+      </p:sp>
+      <p:sp>
+        <p:nvSpPr>
+          <p:cNvPr id="40" name="上弧形箭头 39"/>
+          <p:cNvSpPr/>
+          <p:nvPr/>
+        </p:nvSpPr>
+        <p:spPr>
+          <a:xfrm rot="7939706">
+            <a:off x="9324956" y="3664194"/>
+            <a:ext cx="807140" cy="478302"/>
+          </a:xfrm>
+          <a:prstGeom prst="curvedDownArrow">
+            <a:avLst/>
+          </a:prstGeom>
+        </p:spPr>
+        <p:style>
+          <a:lnRef idx="2">
+            <a:schemeClr val="accent1">
+              <a:shade val="50000"/>
+            </a:schemeClr>
+          </a:lnRef>
+          <a:fillRef idx="1">
+            <a:schemeClr val="accent1"/>
+          </a:fillRef>
+          <a:effectRef idx="0">
+            <a:schemeClr val="accent1"/>
+          </a:effectRef>
+          <a:fontRef idx="minor">
+            <a:schemeClr val="lt1"/>
+          </a:fontRef>
+        </p:style>
+        <p:txBody>
+          <a:bodyPr rtlCol="0" anchor="ctr"/>
+          <a:lstStyle/>
+          <a:p>
+            <a:pPr algn="ctr"/>
+            <a:endParaRPr lang="zh-CN" altLang="en-US">
+              <a:solidFill>
+                <a:schemeClr val="tx1"/>
+              </a:solidFill>
+            </a:endParaRPr>
+          </a:p>
+        </p:txBody>
+      </p:sp>
+    </p:spTree>
+    <p:extLst>
+      <p:ext uri="{BB962C8B-B14F-4D97-AF65-F5344CB8AC3E}">
+        <p14:creationId xmlns:p14="http://schemas.microsoft.com/office/powerpoint/2010/main" val="833875473"/>
+      </p:ext>
+    </p:extLst>
+  </p:cSld>
+  <p:clrMapOvr>
+    <a:masterClrMapping/>
+  </p:clrMapOvr>
+  <p:timing>
+    <p:tnLst>
+      <p:par>
+        <p:cTn id="1" dur="indefinite" restart="never" nodeType="tmRoot"/>
+      </p:par>
+    </p:tnLst>
+  </p:timing>
+</p:sld>
+</file>
+
+<file path=ppt/slides/slide17.xml><?xml version="1.0" encoding="utf-8"?>
+<p:sld xmlns:a="http://schemas.openxmlformats.org/drawingml/2006/main" xmlns:r="http://schemas.openxmlformats.org/officeDocument/2006/relationships" xmlns:p="http://schemas.openxmlformats.org/presentationml/2006/main">
+  <p:cSld>
+    <p:spTree>
+      <p:nvGrpSpPr>
+        <p:cNvPr id="1" name=""/>
+        <p:cNvGrpSpPr/>
+        <p:nvPr/>
+      </p:nvGrpSpPr>
+      <p:grpSpPr>
+        <a:xfrm>
+          <a:off x="0" y="0"/>
+          <a:ext cx="0" cy="0"/>
+          <a:chOff x="0" y="0"/>
+          <a:chExt cx="0" cy="0"/>
+        </a:xfrm>
+      </p:grpSpPr>
+      <p:sp>
+        <p:nvSpPr>
+          <p:cNvPr id="2" name="标题 1"/>
+          <p:cNvSpPr>
+            <a:spLocks noGrp="1"/>
+          </p:cNvSpPr>
+          <p:nvPr>
+            <p:ph type="title"/>
+          </p:nvPr>
+        </p:nvSpPr>
+        <p:spPr/>
+        <p:txBody>
+          <a:bodyPr/>
+          <a:lstStyle/>
+          <a:p>
+            <a:r>
               <a:rPr lang="en-US" altLang="zh-CN" dirty="0" smtClean="0"/>
               <a:t>Thanks for your listening</a:t>
             </a:r>
@@ -4059,6 +6870,13 @@
   <p:clrMapOvr>
     <a:masterClrMapping/>
   </p:clrMapOvr>
+  <p:timing>
+    <p:tnLst>
+      <p:par>
+        <p:cTn id="1" dur="indefinite" restart="never" nodeType="tmRoot"/>
+      </p:par>
+    </p:tnLst>
+  </p:timing>
 </p:sld>
 </file>
 
@@ -4112,6 +6930,13 @@
   <p:clrMapOvr>
     <a:masterClrMapping/>
   </p:clrMapOvr>
+  <p:timing>
+    <p:tnLst>
+      <p:par>
+        <p:cTn id="1" dur="indefinite" restart="never" nodeType="tmRoot"/>
+      </p:par>
+    </p:tnLst>
+  </p:timing>
 </p:sld>
 </file>
 
@@ -4222,6 +7047,13 @@
   <p:clrMapOvr>
     <a:masterClrMapping/>
   </p:clrMapOvr>
+  <p:timing>
+    <p:tnLst>
+      <p:par>
+        <p:cTn id="1" dur="indefinite" restart="never" nodeType="tmRoot"/>
+      </p:par>
+    </p:tnLst>
+  </p:timing>
 </p:sld>
 </file>
 
@@ -4332,6 +7164,13 @@
   <p:clrMapOvr>
     <a:masterClrMapping/>
   </p:clrMapOvr>
+  <p:timing>
+    <p:tnLst>
+      <p:par>
+        <p:cTn id="1" dur="indefinite" restart="never" nodeType="tmRoot"/>
+      </p:par>
+    </p:tnLst>
+  </p:timing>
 </p:sld>
 </file>
 
@@ -4442,6 +7281,13 @@
   <p:clrMapOvr>
     <a:masterClrMapping/>
   </p:clrMapOvr>
+  <p:timing>
+    <p:tnLst>
+      <p:par>
+        <p:cTn id="1" dur="indefinite" restart="never" nodeType="tmRoot"/>
+      </p:par>
+    </p:tnLst>
+  </p:timing>
 </p:sld>
 </file>
 
@@ -4552,6 +7398,13 @@
   <p:clrMapOvr>
     <a:masterClrMapping/>
   </p:clrMapOvr>
+  <p:timing>
+    <p:tnLst>
+      <p:par>
+        <p:cTn id="1" dur="indefinite" restart="never" nodeType="tmRoot"/>
+      </p:par>
+    </p:tnLst>
+  </p:timing>
 </p:sld>
 </file>
 
@@ -4825,6 +7678,13 @@
   <p:clrMapOvr>
     <a:masterClrMapping/>
   </p:clrMapOvr>
+  <p:timing>
+    <p:tnLst>
+      <p:par>
+        <p:cTn id="1" dur="indefinite" restart="never" nodeType="tmRoot"/>
+      </p:par>
+    </p:tnLst>
+  </p:timing>
 </p:sld>
 </file>
 
